--- a/manuels/HBase.pptx
+++ b/manuels/HBase.pptx
@@ -2,12 +2,12 @@
 <file path=ppt/presentation.xml><?xml version="1.0" encoding="utf-8"?>
 <p:presentation xmlns:a="http://schemas.openxmlformats.org/drawingml/2006/main" xmlns:r="http://schemas.openxmlformats.org/officeDocument/2006/relationships" xmlns:p="http://schemas.openxmlformats.org/presentationml/2006/main" saveSubsetFonts="1">
   <p:sldMasterIdLst>
-    <p:sldMasterId id="2147483648" r:id="rId1"/>
+    <p:sldMasterId id="2147483672" r:id="rId1"/>
   </p:sldMasterIdLst>
   <p:sldIdLst>
     <p:sldId id="256" r:id="rId2"/>
   </p:sldIdLst>
-  <p:sldSz cx="12192000" cy="6858000"/>
+  <p:sldSz cx="12192000" cy="6119813"/>
   <p:notesSz cx="6858000" cy="9144000"/>
   <p:defaultTextStyle>
     <a:defPPr>
@@ -131,7 +131,7 @@
       </p:grpSpPr>
       <p:sp>
         <p:nvSpPr>
-          <p:cNvPr id="2" name="Titel 1"/>
+          <p:cNvPr id="2" name="Title 1"/>
           <p:cNvSpPr>
             <a:spLocks noGrp="1"/>
           </p:cNvSpPr>
@@ -141,15 +141,15 @@
         </p:nvSpPr>
         <p:spPr>
           <a:xfrm>
-            <a:off x="1524000" y="1122363"/>
-            <a:ext cx="9144000" cy="2387600"/>
+            <a:off x="1524000" y="1001553"/>
+            <a:ext cx="9144000" cy="2130602"/>
           </a:xfrm>
         </p:spPr>
         <p:txBody>
           <a:bodyPr anchor="b"/>
           <a:lstStyle>
             <a:lvl1pPr algn="ctr">
-              <a:defRPr sz="6000"/>
+              <a:defRPr sz="5354"/>
             </a:lvl1pPr>
           </a:lstStyle>
           <a:p>
@@ -157,13 +157,13 @@
               <a:rPr lang="de-DE" smtClean="0"/>
               <a:t>Titelmasterformat durch Klicken bearbeiten</a:t>
             </a:r>
-            <a:endParaRPr lang="de-DE"/>
-          </a:p>
-        </p:txBody>
-      </p:sp>
-      <p:sp>
-        <p:nvSpPr>
-          <p:cNvPr id="3" name="Untertitel 2"/>
+            <a:endParaRPr lang="en-US" dirty="0"/>
+          </a:p>
+        </p:txBody>
+      </p:sp>
+      <p:sp>
+        <p:nvSpPr>
+          <p:cNvPr id="3" name="Subtitle 2"/>
           <p:cNvSpPr>
             <a:spLocks noGrp="1"/>
           </p:cNvSpPr>
@@ -173,8 +173,8 @@
         </p:nvSpPr>
         <p:spPr>
           <a:xfrm>
-            <a:off x="1524000" y="3602038"/>
-            <a:ext cx="9144000" cy="1655762"/>
+            <a:off x="1524000" y="3214319"/>
+            <a:ext cx="9144000" cy="1477538"/>
           </a:xfrm>
         </p:spPr>
         <p:txBody>
@@ -182,39 +182,39 @@
           <a:lstStyle>
             <a:lvl1pPr marL="0" indent="0" algn="ctr">
               <a:buNone/>
-              <a:defRPr sz="2400"/>
+              <a:defRPr sz="2142"/>
             </a:lvl1pPr>
-            <a:lvl2pPr marL="457200" indent="0" algn="ctr">
-              <a:buNone/>
-              <a:defRPr sz="2000"/>
+            <a:lvl2pPr marL="408005" indent="0" algn="ctr">
+              <a:buNone/>
+              <a:defRPr sz="1785"/>
             </a:lvl2pPr>
-            <a:lvl3pPr marL="914400" indent="0" algn="ctr">
-              <a:buNone/>
-              <a:defRPr sz="1800"/>
+            <a:lvl3pPr marL="816011" indent="0" algn="ctr">
+              <a:buNone/>
+              <a:defRPr sz="1606"/>
             </a:lvl3pPr>
-            <a:lvl4pPr marL="1371600" indent="0" algn="ctr">
-              <a:buNone/>
-              <a:defRPr sz="1600"/>
+            <a:lvl4pPr marL="1224016" indent="0" algn="ctr">
+              <a:buNone/>
+              <a:defRPr sz="1428"/>
             </a:lvl4pPr>
-            <a:lvl5pPr marL="1828800" indent="0" algn="ctr">
-              <a:buNone/>
-              <a:defRPr sz="1600"/>
+            <a:lvl5pPr marL="1632021" indent="0" algn="ctr">
+              <a:buNone/>
+              <a:defRPr sz="1428"/>
             </a:lvl5pPr>
-            <a:lvl6pPr marL="2286000" indent="0" algn="ctr">
-              <a:buNone/>
-              <a:defRPr sz="1600"/>
+            <a:lvl6pPr marL="2040026" indent="0" algn="ctr">
+              <a:buNone/>
+              <a:defRPr sz="1428"/>
             </a:lvl6pPr>
-            <a:lvl7pPr marL="2743200" indent="0" algn="ctr">
-              <a:buNone/>
-              <a:defRPr sz="1600"/>
+            <a:lvl7pPr marL="2448032" indent="0" algn="ctr">
+              <a:buNone/>
+              <a:defRPr sz="1428"/>
             </a:lvl7pPr>
-            <a:lvl8pPr marL="3200400" indent="0" algn="ctr">
-              <a:buNone/>
-              <a:defRPr sz="1600"/>
+            <a:lvl8pPr marL="2856037" indent="0" algn="ctr">
+              <a:buNone/>
+              <a:defRPr sz="1428"/>
             </a:lvl8pPr>
-            <a:lvl9pPr marL="3657600" indent="0" algn="ctr">
-              <a:buNone/>
-              <a:defRPr sz="1600"/>
+            <a:lvl9pPr marL="3264042" indent="0" algn="ctr">
+              <a:buNone/>
+              <a:defRPr sz="1428"/>
             </a:lvl9pPr>
           </a:lstStyle>
           <a:p>
@@ -222,13 +222,13 @@
               <a:rPr lang="de-DE" smtClean="0"/>
               <a:t>Formatvorlage des Untertitelmasters durch Klicken bearbeiten</a:t>
             </a:r>
-            <a:endParaRPr lang="de-DE"/>
-          </a:p>
-        </p:txBody>
-      </p:sp>
-      <p:sp>
-        <p:nvSpPr>
-          <p:cNvPr id="4" name="Datumsplatzhalter 3"/>
+            <a:endParaRPr lang="en-US" dirty="0"/>
+          </a:p>
+        </p:txBody>
+      </p:sp>
+      <p:sp>
+        <p:nvSpPr>
+          <p:cNvPr id="4" name="Date Placeholder 3"/>
           <p:cNvSpPr>
             <a:spLocks noGrp="1"/>
           </p:cNvSpPr>
@@ -243,7 +243,7 @@
           <a:p>
             <a:fld id="{DF167CB3-E02C-405A-A084-2F10D4D8C5D0}" type="datetimeFigureOut">
               <a:rPr lang="de-DE" smtClean="0"/>
-              <a:t>20.02.2014</a:t>
+              <a:t>26.02.2014</a:t>
             </a:fld>
             <a:endParaRPr lang="de-DE"/>
           </a:p>
@@ -251,7 +251,7 @@
       </p:sp>
       <p:sp>
         <p:nvSpPr>
-          <p:cNvPr id="5" name="Fußzeilenplatzhalter 4"/>
+          <p:cNvPr id="5" name="Footer Placeholder 4"/>
           <p:cNvSpPr>
             <a:spLocks noGrp="1"/>
           </p:cNvSpPr>
@@ -270,7 +270,7 @@
       </p:sp>
       <p:sp>
         <p:nvSpPr>
-          <p:cNvPr id="6" name="Foliennummernplatzhalter 5"/>
+          <p:cNvPr id="6" name="Slide Number Placeholder 5"/>
           <p:cNvSpPr>
             <a:spLocks noGrp="1"/>
           </p:cNvSpPr>
@@ -294,7 +294,7 @@
     </p:spTree>
     <p:extLst>
       <p:ext uri="{BB962C8B-B14F-4D97-AF65-F5344CB8AC3E}">
-        <p14:creationId xmlns:p14="http://schemas.microsoft.com/office/powerpoint/2010/main" val="1590881577"/>
+        <p14:creationId xmlns:p14="http://schemas.microsoft.com/office/powerpoint/2010/main" val="4146430439"/>
       </p:ext>
     </p:extLst>
   </p:cSld>
@@ -323,7 +323,7 @@
       </p:grpSpPr>
       <p:sp>
         <p:nvSpPr>
-          <p:cNvPr id="2" name="Titel 1"/>
+          <p:cNvPr id="2" name="Title 1"/>
           <p:cNvSpPr>
             <a:spLocks noGrp="1"/>
           </p:cNvSpPr>
@@ -340,13 +340,13 @@
               <a:rPr lang="de-DE" smtClean="0"/>
               <a:t>Titelmasterformat durch Klicken bearbeiten</a:t>
             </a:r>
-            <a:endParaRPr lang="de-DE"/>
-          </a:p>
-        </p:txBody>
-      </p:sp>
-      <p:sp>
-        <p:nvSpPr>
-          <p:cNvPr id="3" name="Vertikaler Textplatzhalter 2"/>
+            <a:endParaRPr lang="en-US" dirty="0"/>
+          </a:p>
+        </p:txBody>
+      </p:sp>
+      <p:sp>
+        <p:nvSpPr>
+          <p:cNvPr id="3" name="Vertical Text Placeholder 2"/>
           <p:cNvSpPr>
             <a:spLocks noGrp="1"/>
           </p:cNvSpPr>
@@ -392,13 +392,13 @@
               <a:rPr lang="de-DE" smtClean="0"/>
               <a:t>Fünfte Ebene</a:t>
             </a:r>
-            <a:endParaRPr lang="de-DE"/>
-          </a:p>
-        </p:txBody>
-      </p:sp>
-      <p:sp>
-        <p:nvSpPr>
-          <p:cNvPr id="4" name="Datumsplatzhalter 3"/>
+            <a:endParaRPr lang="en-US" dirty="0"/>
+          </a:p>
+        </p:txBody>
+      </p:sp>
+      <p:sp>
+        <p:nvSpPr>
+          <p:cNvPr id="4" name="Date Placeholder 3"/>
           <p:cNvSpPr>
             <a:spLocks noGrp="1"/>
           </p:cNvSpPr>
@@ -413,7 +413,7 @@
           <a:p>
             <a:fld id="{DF167CB3-E02C-405A-A084-2F10D4D8C5D0}" type="datetimeFigureOut">
               <a:rPr lang="de-DE" smtClean="0"/>
-              <a:t>20.02.2014</a:t>
+              <a:t>26.02.2014</a:t>
             </a:fld>
             <a:endParaRPr lang="de-DE"/>
           </a:p>
@@ -421,7 +421,7 @@
       </p:sp>
       <p:sp>
         <p:nvSpPr>
-          <p:cNvPr id="5" name="Fußzeilenplatzhalter 4"/>
+          <p:cNvPr id="5" name="Footer Placeholder 4"/>
           <p:cNvSpPr>
             <a:spLocks noGrp="1"/>
           </p:cNvSpPr>
@@ -440,7 +440,7 @@
       </p:sp>
       <p:sp>
         <p:nvSpPr>
-          <p:cNvPr id="6" name="Foliennummernplatzhalter 5"/>
+          <p:cNvPr id="6" name="Slide Number Placeholder 5"/>
           <p:cNvSpPr>
             <a:spLocks noGrp="1"/>
           </p:cNvSpPr>
@@ -464,7 +464,7 @@
     </p:spTree>
     <p:extLst>
       <p:ext uri="{BB962C8B-B14F-4D97-AF65-F5344CB8AC3E}">
-        <p14:creationId xmlns:p14="http://schemas.microsoft.com/office/powerpoint/2010/main" val="1539729218"/>
+        <p14:creationId xmlns:p14="http://schemas.microsoft.com/office/powerpoint/2010/main" val="683430274"/>
       </p:ext>
     </p:extLst>
   </p:cSld>
@@ -493,7 +493,7 @@
       </p:grpSpPr>
       <p:sp>
         <p:nvSpPr>
-          <p:cNvPr id="2" name="Vertikaler Titel 1"/>
+          <p:cNvPr id="2" name="Vertical Title 1"/>
           <p:cNvSpPr>
             <a:spLocks noGrp="1"/>
           </p:cNvSpPr>
@@ -503,8 +503,8 @@
         </p:nvSpPr>
         <p:spPr>
           <a:xfrm>
-            <a:off x="8724900" y="365125"/>
-            <a:ext cx="2628900" cy="5811838"/>
+            <a:off x="8724900" y="325823"/>
+            <a:ext cx="2628900" cy="5186259"/>
           </a:xfrm>
         </p:spPr>
         <p:txBody>
@@ -515,13 +515,13 @@
               <a:rPr lang="de-DE" smtClean="0"/>
               <a:t>Titelmasterformat durch Klicken bearbeiten</a:t>
             </a:r>
-            <a:endParaRPr lang="de-DE"/>
-          </a:p>
-        </p:txBody>
-      </p:sp>
-      <p:sp>
-        <p:nvSpPr>
-          <p:cNvPr id="3" name="Vertikaler Textplatzhalter 2"/>
+            <a:endParaRPr lang="en-US" dirty="0"/>
+          </a:p>
+        </p:txBody>
+      </p:sp>
+      <p:sp>
+        <p:nvSpPr>
+          <p:cNvPr id="3" name="Vertical Text Placeholder 2"/>
           <p:cNvSpPr>
             <a:spLocks noGrp="1"/>
           </p:cNvSpPr>
@@ -531,8 +531,8 @@
         </p:nvSpPr>
         <p:spPr>
           <a:xfrm>
-            <a:off x="838200" y="365125"/>
-            <a:ext cx="7734300" cy="5811838"/>
+            <a:off x="838200" y="325823"/>
+            <a:ext cx="7734300" cy="5186259"/>
           </a:xfrm>
         </p:spPr>
         <p:txBody>
@@ -572,13 +572,13 @@
               <a:rPr lang="de-DE" smtClean="0"/>
               <a:t>Fünfte Ebene</a:t>
             </a:r>
-            <a:endParaRPr lang="de-DE"/>
-          </a:p>
-        </p:txBody>
-      </p:sp>
-      <p:sp>
-        <p:nvSpPr>
-          <p:cNvPr id="4" name="Datumsplatzhalter 3"/>
+            <a:endParaRPr lang="en-US" dirty="0"/>
+          </a:p>
+        </p:txBody>
+      </p:sp>
+      <p:sp>
+        <p:nvSpPr>
+          <p:cNvPr id="4" name="Date Placeholder 3"/>
           <p:cNvSpPr>
             <a:spLocks noGrp="1"/>
           </p:cNvSpPr>
@@ -593,7 +593,7 @@
           <a:p>
             <a:fld id="{DF167CB3-E02C-405A-A084-2F10D4D8C5D0}" type="datetimeFigureOut">
               <a:rPr lang="de-DE" smtClean="0"/>
-              <a:t>20.02.2014</a:t>
+              <a:t>26.02.2014</a:t>
             </a:fld>
             <a:endParaRPr lang="de-DE"/>
           </a:p>
@@ -601,7 +601,7 @@
       </p:sp>
       <p:sp>
         <p:nvSpPr>
-          <p:cNvPr id="5" name="Fußzeilenplatzhalter 4"/>
+          <p:cNvPr id="5" name="Footer Placeholder 4"/>
           <p:cNvSpPr>
             <a:spLocks noGrp="1"/>
           </p:cNvSpPr>
@@ -620,7 +620,7 @@
       </p:sp>
       <p:sp>
         <p:nvSpPr>
-          <p:cNvPr id="6" name="Foliennummernplatzhalter 5"/>
+          <p:cNvPr id="6" name="Slide Number Placeholder 5"/>
           <p:cNvSpPr>
             <a:spLocks noGrp="1"/>
           </p:cNvSpPr>
@@ -644,7 +644,7 @@
     </p:spTree>
     <p:extLst>
       <p:ext uri="{BB962C8B-B14F-4D97-AF65-F5344CB8AC3E}">
-        <p14:creationId xmlns:p14="http://schemas.microsoft.com/office/powerpoint/2010/main" val="1175941112"/>
+        <p14:creationId xmlns:p14="http://schemas.microsoft.com/office/powerpoint/2010/main" val="509796688"/>
       </p:ext>
     </p:extLst>
   </p:cSld>
@@ -673,7 +673,7 @@
       </p:grpSpPr>
       <p:sp>
         <p:nvSpPr>
-          <p:cNvPr id="2" name="Titel 1"/>
+          <p:cNvPr id="2" name="Title 1"/>
           <p:cNvSpPr>
             <a:spLocks noGrp="1"/>
           </p:cNvSpPr>
@@ -690,13 +690,13 @@
               <a:rPr lang="de-DE" smtClean="0"/>
               <a:t>Titelmasterformat durch Klicken bearbeiten</a:t>
             </a:r>
-            <a:endParaRPr lang="de-DE"/>
-          </a:p>
-        </p:txBody>
-      </p:sp>
-      <p:sp>
-        <p:nvSpPr>
-          <p:cNvPr id="3" name="Inhaltsplatzhalter 2"/>
+            <a:endParaRPr lang="en-US" dirty="0"/>
+          </a:p>
+        </p:txBody>
+      </p:sp>
+      <p:sp>
+        <p:nvSpPr>
+          <p:cNvPr id="3" name="Content Placeholder 2"/>
           <p:cNvSpPr>
             <a:spLocks noGrp="1"/>
           </p:cNvSpPr>
@@ -742,13 +742,13 @@
               <a:rPr lang="de-DE" smtClean="0"/>
               <a:t>Fünfte Ebene</a:t>
             </a:r>
-            <a:endParaRPr lang="de-DE"/>
-          </a:p>
-        </p:txBody>
-      </p:sp>
-      <p:sp>
-        <p:nvSpPr>
-          <p:cNvPr id="4" name="Datumsplatzhalter 3"/>
+            <a:endParaRPr lang="en-US" dirty="0"/>
+          </a:p>
+        </p:txBody>
+      </p:sp>
+      <p:sp>
+        <p:nvSpPr>
+          <p:cNvPr id="4" name="Date Placeholder 3"/>
           <p:cNvSpPr>
             <a:spLocks noGrp="1"/>
           </p:cNvSpPr>
@@ -763,7 +763,7 @@
           <a:p>
             <a:fld id="{DF167CB3-E02C-405A-A084-2F10D4D8C5D0}" type="datetimeFigureOut">
               <a:rPr lang="de-DE" smtClean="0"/>
-              <a:t>20.02.2014</a:t>
+              <a:t>26.02.2014</a:t>
             </a:fld>
             <a:endParaRPr lang="de-DE"/>
           </a:p>
@@ -771,7 +771,7 @@
       </p:sp>
       <p:sp>
         <p:nvSpPr>
-          <p:cNvPr id="5" name="Fußzeilenplatzhalter 4"/>
+          <p:cNvPr id="5" name="Footer Placeholder 4"/>
           <p:cNvSpPr>
             <a:spLocks noGrp="1"/>
           </p:cNvSpPr>
@@ -790,7 +790,7 @@
       </p:sp>
       <p:sp>
         <p:nvSpPr>
-          <p:cNvPr id="6" name="Foliennummernplatzhalter 5"/>
+          <p:cNvPr id="6" name="Slide Number Placeholder 5"/>
           <p:cNvSpPr>
             <a:spLocks noGrp="1"/>
           </p:cNvSpPr>
@@ -814,7 +814,7 @@
     </p:spTree>
     <p:extLst>
       <p:ext uri="{BB962C8B-B14F-4D97-AF65-F5344CB8AC3E}">
-        <p14:creationId xmlns:p14="http://schemas.microsoft.com/office/powerpoint/2010/main" val="1528049363"/>
+        <p14:creationId xmlns:p14="http://schemas.microsoft.com/office/powerpoint/2010/main" val="2841201100"/>
       </p:ext>
     </p:extLst>
   </p:cSld>
@@ -843,7 +843,7 @@
       </p:grpSpPr>
       <p:sp>
         <p:nvSpPr>
-          <p:cNvPr id="2" name="Titel 1"/>
+          <p:cNvPr id="2" name="Title 1"/>
           <p:cNvSpPr>
             <a:spLocks noGrp="1"/>
           </p:cNvSpPr>
@@ -853,15 +853,15 @@
         </p:nvSpPr>
         <p:spPr>
           <a:xfrm>
-            <a:off x="831850" y="1709738"/>
-            <a:ext cx="10515600" cy="2852737"/>
+            <a:off x="831850" y="1525704"/>
+            <a:ext cx="10515600" cy="2545672"/>
           </a:xfrm>
         </p:spPr>
         <p:txBody>
           <a:bodyPr anchor="b"/>
           <a:lstStyle>
             <a:lvl1pPr>
-              <a:defRPr sz="6000"/>
+              <a:defRPr sz="5354"/>
             </a:lvl1pPr>
           </a:lstStyle>
           <a:p>
@@ -869,13 +869,13 @@
               <a:rPr lang="de-DE" smtClean="0"/>
               <a:t>Titelmasterformat durch Klicken bearbeiten</a:t>
             </a:r>
-            <a:endParaRPr lang="de-DE"/>
-          </a:p>
-        </p:txBody>
-      </p:sp>
-      <p:sp>
-        <p:nvSpPr>
-          <p:cNvPr id="3" name="Textplatzhalter 2"/>
+            <a:endParaRPr lang="en-US" dirty="0"/>
+          </a:p>
+        </p:txBody>
+      </p:sp>
+      <p:sp>
+        <p:nvSpPr>
+          <p:cNvPr id="3" name="Text Placeholder 2"/>
           <p:cNvSpPr>
             <a:spLocks noGrp="1"/>
           </p:cNvSpPr>
@@ -885,8 +885,8 @@
         </p:nvSpPr>
         <p:spPr>
           <a:xfrm>
-            <a:off x="831850" y="4589463"/>
-            <a:ext cx="10515600" cy="1500187"/>
+            <a:off x="831850" y="4095459"/>
+            <a:ext cx="10515600" cy="1338709"/>
           </a:xfrm>
         </p:spPr>
         <p:txBody>
@@ -894,7 +894,7 @@
           <a:lstStyle>
             <a:lvl1pPr marL="0" indent="0">
               <a:buNone/>
-              <a:defRPr sz="2400">
+              <a:defRPr sz="2142">
                 <a:solidFill>
                   <a:schemeClr val="tx1">
                     <a:tint val="75000"/>
@@ -902,9 +902,9 @@
                 </a:solidFill>
               </a:defRPr>
             </a:lvl1pPr>
-            <a:lvl2pPr marL="457200" indent="0">
-              <a:buNone/>
-              <a:defRPr sz="2000">
+            <a:lvl2pPr marL="408005" indent="0">
+              <a:buNone/>
+              <a:defRPr sz="1785">
                 <a:solidFill>
                   <a:schemeClr val="tx1">
                     <a:tint val="75000"/>
@@ -912,9 +912,9 @@
                 </a:solidFill>
               </a:defRPr>
             </a:lvl2pPr>
-            <a:lvl3pPr marL="914400" indent="0">
-              <a:buNone/>
-              <a:defRPr sz="1800">
+            <a:lvl3pPr marL="816011" indent="0">
+              <a:buNone/>
+              <a:defRPr sz="1606">
                 <a:solidFill>
                   <a:schemeClr val="tx1">
                     <a:tint val="75000"/>
@@ -922,9 +922,9 @@
                 </a:solidFill>
               </a:defRPr>
             </a:lvl3pPr>
-            <a:lvl4pPr marL="1371600" indent="0">
-              <a:buNone/>
-              <a:defRPr sz="1600">
+            <a:lvl4pPr marL="1224016" indent="0">
+              <a:buNone/>
+              <a:defRPr sz="1428">
                 <a:solidFill>
                   <a:schemeClr val="tx1">
                     <a:tint val="75000"/>
@@ -932,9 +932,9 @@
                 </a:solidFill>
               </a:defRPr>
             </a:lvl4pPr>
-            <a:lvl5pPr marL="1828800" indent="0">
-              <a:buNone/>
-              <a:defRPr sz="1600">
+            <a:lvl5pPr marL="1632021" indent="0">
+              <a:buNone/>
+              <a:defRPr sz="1428">
                 <a:solidFill>
                   <a:schemeClr val="tx1">
                     <a:tint val="75000"/>
@@ -942,9 +942,9 @@
                 </a:solidFill>
               </a:defRPr>
             </a:lvl5pPr>
-            <a:lvl6pPr marL="2286000" indent="0">
-              <a:buNone/>
-              <a:defRPr sz="1600">
+            <a:lvl6pPr marL="2040026" indent="0">
+              <a:buNone/>
+              <a:defRPr sz="1428">
                 <a:solidFill>
                   <a:schemeClr val="tx1">
                     <a:tint val="75000"/>
@@ -952,9 +952,9 @@
                 </a:solidFill>
               </a:defRPr>
             </a:lvl6pPr>
-            <a:lvl7pPr marL="2743200" indent="0">
-              <a:buNone/>
-              <a:defRPr sz="1600">
+            <a:lvl7pPr marL="2448032" indent="0">
+              <a:buNone/>
+              <a:defRPr sz="1428">
                 <a:solidFill>
                   <a:schemeClr val="tx1">
                     <a:tint val="75000"/>
@@ -962,9 +962,9 @@
                 </a:solidFill>
               </a:defRPr>
             </a:lvl7pPr>
-            <a:lvl8pPr marL="3200400" indent="0">
-              <a:buNone/>
-              <a:defRPr sz="1600">
+            <a:lvl8pPr marL="2856037" indent="0">
+              <a:buNone/>
+              <a:defRPr sz="1428">
                 <a:solidFill>
                   <a:schemeClr val="tx1">
                     <a:tint val="75000"/>
@@ -972,9 +972,9 @@
                 </a:solidFill>
               </a:defRPr>
             </a:lvl8pPr>
-            <a:lvl9pPr marL="3657600" indent="0">
-              <a:buNone/>
-              <a:defRPr sz="1600">
+            <a:lvl9pPr marL="3264042" indent="0">
+              <a:buNone/>
+              <a:defRPr sz="1428">
                 <a:solidFill>
                   <a:schemeClr val="tx1">
                     <a:tint val="75000"/>
@@ -994,7 +994,7 @@
       </p:sp>
       <p:sp>
         <p:nvSpPr>
-          <p:cNvPr id="4" name="Datumsplatzhalter 3"/>
+          <p:cNvPr id="4" name="Date Placeholder 3"/>
           <p:cNvSpPr>
             <a:spLocks noGrp="1"/>
           </p:cNvSpPr>
@@ -1009,7 +1009,7 @@
           <a:p>
             <a:fld id="{DF167CB3-E02C-405A-A084-2F10D4D8C5D0}" type="datetimeFigureOut">
               <a:rPr lang="de-DE" smtClean="0"/>
-              <a:t>20.02.2014</a:t>
+              <a:t>26.02.2014</a:t>
             </a:fld>
             <a:endParaRPr lang="de-DE"/>
           </a:p>
@@ -1017,7 +1017,7 @@
       </p:sp>
       <p:sp>
         <p:nvSpPr>
-          <p:cNvPr id="5" name="Fußzeilenplatzhalter 4"/>
+          <p:cNvPr id="5" name="Footer Placeholder 4"/>
           <p:cNvSpPr>
             <a:spLocks noGrp="1"/>
           </p:cNvSpPr>
@@ -1036,7 +1036,7 @@
       </p:sp>
       <p:sp>
         <p:nvSpPr>
-          <p:cNvPr id="6" name="Foliennummernplatzhalter 5"/>
+          <p:cNvPr id="6" name="Slide Number Placeholder 5"/>
           <p:cNvSpPr>
             <a:spLocks noGrp="1"/>
           </p:cNvSpPr>
@@ -1060,7 +1060,7 @@
     </p:spTree>
     <p:extLst>
       <p:ext uri="{BB962C8B-B14F-4D97-AF65-F5344CB8AC3E}">
-        <p14:creationId xmlns:p14="http://schemas.microsoft.com/office/powerpoint/2010/main" val="1412673606"/>
+        <p14:creationId xmlns:p14="http://schemas.microsoft.com/office/powerpoint/2010/main" val="1311176321"/>
       </p:ext>
     </p:extLst>
   </p:cSld>
@@ -1089,7 +1089,7 @@
       </p:grpSpPr>
       <p:sp>
         <p:nvSpPr>
-          <p:cNvPr id="2" name="Titel 1"/>
+          <p:cNvPr id="2" name="Title 1"/>
           <p:cNvSpPr>
             <a:spLocks noGrp="1"/>
           </p:cNvSpPr>
@@ -1106,13 +1106,13 @@
               <a:rPr lang="de-DE" smtClean="0"/>
               <a:t>Titelmasterformat durch Klicken bearbeiten</a:t>
             </a:r>
-            <a:endParaRPr lang="de-DE"/>
-          </a:p>
-        </p:txBody>
-      </p:sp>
-      <p:sp>
-        <p:nvSpPr>
-          <p:cNvPr id="3" name="Inhaltsplatzhalter 2"/>
+            <a:endParaRPr lang="en-US" dirty="0"/>
+          </a:p>
+        </p:txBody>
+      </p:sp>
+      <p:sp>
+        <p:nvSpPr>
+          <p:cNvPr id="3" name="Content Placeholder 2"/>
           <p:cNvSpPr>
             <a:spLocks noGrp="1"/>
           </p:cNvSpPr>
@@ -1122,8 +1122,8 @@
         </p:nvSpPr>
         <p:spPr>
           <a:xfrm>
-            <a:off x="838200" y="1825625"/>
-            <a:ext cx="5181600" cy="4351338"/>
+            <a:off x="838200" y="1629117"/>
+            <a:ext cx="5181600" cy="3882965"/>
           </a:xfrm>
         </p:spPr>
         <p:txBody>
@@ -1163,13 +1163,13 @@
               <a:rPr lang="de-DE" smtClean="0"/>
               <a:t>Fünfte Ebene</a:t>
             </a:r>
-            <a:endParaRPr lang="de-DE"/>
-          </a:p>
-        </p:txBody>
-      </p:sp>
-      <p:sp>
-        <p:nvSpPr>
-          <p:cNvPr id="4" name="Inhaltsplatzhalter 3"/>
+            <a:endParaRPr lang="en-US" dirty="0"/>
+          </a:p>
+        </p:txBody>
+      </p:sp>
+      <p:sp>
+        <p:nvSpPr>
+          <p:cNvPr id="4" name="Content Placeholder 3"/>
           <p:cNvSpPr>
             <a:spLocks noGrp="1"/>
           </p:cNvSpPr>
@@ -1179,8 +1179,8 @@
         </p:nvSpPr>
         <p:spPr>
           <a:xfrm>
-            <a:off x="6172200" y="1825625"/>
-            <a:ext cx="5181600" cy="4351338"/>
+            <a:off x="6172200" y="1629117"/>
+            <a:ext cx="5181600" cy="3882965"/>
           </a:xfrm>
         </p:spPr>
         <p:txBody>
@@ -1220,13 +1220,13 @@
               <a:rPr lang="de-DE" smtClean="0"/>
               <a:t>Fünfte Ebene</a:t>
             </a:r>
-            <a:endParaRPr lang="de-DE"/>
-          </a:p>
-        </p:txBody>
-      </p:sp>
-      <p:sp>
-        <p:nvSpPr>
-          <p:cNvPr id="5" name="Datumsplatzhalter 4"/>
+            <a:endParaRPr lang="en-US" dirty="0"/>
+          </a:p>
+        </p:txBody>
+      </p:sp>
+      <p:sp>
+        <p:nvSpPr>
+          <p:cNvPr id="5" name="Date Placeholder 4"/>
           <p:cNvSpPr>
             <a:spLocks noGrp="1"/>
           </p:cNvSpPr>
@@ -1241,7 +1241,7 @@
           <a:p>
             <a:fld id="{DF167CB3-E02C-405A-A084-2F10D4D8C5D0}" type="datetimeFigureOut">
               <a:rPr lang="de-DE" smtClean="0"/>
-              <a:t>20.02.2014</a:t>
+              <a:t>26.02.2014</a:t>
             </a:fld>
             <a:endParaRPr lang="de-DE"/>
           </a:p>
@@ -1249,7 +1249,7 @@
       </p:sp>
       <p:sp>
         <p:nvSpPr>
-          <p:cNvPr id="6" name="Fußzeilenplatzhalter 5"/>
+          <p:cNvPr id="6" name="Footer Placeholder 5"/>
           <p:cNvSpPr>
             <a:spLocks noGrp="1"/>
           </p:cNvSpPr>
@@ -1268,7 +1268,7 @@
       </p:sp>
       <p:sp>
         <p:nvSpPr>
-          <p:cNvPr id="7" name="Foliennummernplatzhalter 6"/>
+          <p:cNvPr id="7" name="Slide Number Placeholder 6"/>
           <p:cNvSpPr>
             <a:spLocks noGrp="1"/>
           </p:cNvSpPr>
@@ -1292,7 +1292,7 @@
     </p:spTree>
     <p:extLst>
       <p:ext uri="{BB962C8B-B14F-4D97-AF65-F5344CB8AC3E}">
-        <p14:creationId xmlns:p14="http://schemas.microsoft.com/office/powerpoint/2010/main" val="516395503"/>
+        <p14:creationId xmlns:p14="http://schemas.microsoft.com/office/powerpoint/2010/main" val="3140020233"/>
       </p:ext>
     </p:extLst>
   </p:cSld>
@@ -1321,7 +1321,7 @@
       </p:grpSpPr>
       <p:sp>
         <p:nvSpPr>
-          <p:cNvPr id="2" name="Titel 1"/>
+          <p:cNvPr id="2" name="Title 1"/>
           <p:cNvSpPr>
             <a:spLocks noGrp="1"/>
           </p:cNvSpPr>
@@ -1331,8 +1331,8 @@
         </p:nvSpPr>
         <p:spPr>
           <a:xfrm>
-            <a:off x="839788" y="365125"/>
-            <a:ext cx="10515600" cy="1325563"/>
+            <a:off x="839788" y="325824"/>
+            <a:ext cx="10515600" cy="1182881"/>
           </a:xfrm>
         </p:spPr>
         <p:txBody>
@@ -1343,13 +1343,13 @@
               <a:rPr lang="de-DE" smtClean="0"/>
               <a:t>Titelmasterformat durch Klicken bearbeiten</a:t>
             </a:r>
-            <a:endParaRPr lang="de-DE"/>
-          </a:p>
-        </p:txBody>
-      </p:sp>
-      <p:sp>
-        <p:nvSpPr>
-          <p:cNvPr id="3" name="Textplatzhalter 2"/>
+            <a:endParaRPr lang="en-US" dirty="0"/>
+          </a:p>
+        </p:txBody>
+      </p:sp>
+      <p:sp>
+        <p:nvSpPr>
+          <p:cNvPr id="3" name="Text Placeholder 2"/>
           <p:cNvSpPr>
             <a:spLocks noGrp="1"/>
           </p:cNvSpPr>
@@ -1359,8 +1359,8 @@
         </p:nvSpPr>
         <p:spPr>
           <a:xfrm>
-            <a:off x="839788" y="1681163"/>
-            <a:ext cx="5157787" cy="823912"/>
+            <a:off x="839789" y="1500205"/>
+            <a:ext cx="5157787" cy="735227"/>
           </a:xfrm>
         </p:spPr>
         <p:txBody>
@@ -1368,39 +1368,39 @@
           <a:lstStyle>
             <a:lvl1pPr marL="0" indent="0">
               <a:buNone/>
-              <a:defRPr sz="2400" b="1"/>
+              <a:defRPr sz="2142" b="1"/>
             </a:lvl1pPr>
-            <a:lvl2pPr marL="457200" indent="0">
-              <a:buNone/>
-              <a:defRPr sz="2000" b="1"/>
+            <a:lvl2pPr marL="408005" indent="0">
+              <a:buNone/>
+              <a:defRPr sz="1785" b="1"/>
             </a:lvl2pPr>
-            <a:lvl3pPr marL="914400" indent="0">
-              <a:buNone/>
-              <a:defRPr sz="1800" b="1"/>
+            <a:lvl3pPr marL="816011" indent="0">
+              <a:buNone/>
+              <a:defRPr sz="1606" b="1"/>
             </a:lvl3pPr>
-            <a:lvl4pPr marL="1371600" indent="0">
-              <a:buNone/>
-              <a:defRPr sz="1600" b="1"/>
+            <a:lvl4pPr marL="1224016" indent="0">
+              <a:buNone/>
+              <a:defRPr sz="1428" b="1"/>
             </a:lvl4pPr>
-            <a:lvl5pPr marL="1828800" indent="0">
-              <a:buNone/>
-              <a:defRPr sz="1600" b="1"/>
+            <a:lvl5pPr marL="1632021" indent="0">
+              <a:buNone/>
+              <a:defRPr sz="1428" b="1"/>
             </a:lvl5pPr>
-            <a:lvl6pPr marL="2286000" indent="0">
-              <a:buNone/>
-              <a:defRPr sz="1600" b="1"/>
+            <a:lvl6pPr marL="2040026" indent="0">
+              <a:buNone/>
+              <a:defRPr sz="1428" b="1"/>
             </a:lvl6pPr>
-            <a:lvl7pPr marL="2743200" indent="0">
-              <a:buNone/>
-              <a:defRPr sz="1600" b="1"/>
+            <a:lvl7pPr marL="2448032" indent="0">
+              <a:buNone/>
+              <a:defRPr sz="1428" b="1"/>
             </a:lvl7pPr>
-            <a:lvl8pPr marL="3200400" indent="0">
-              <a:buNone/>
-              <a:defRPr sz="1600" b="1"/>
+            <a:lvl8pPr marL="2856037" indent="0">
+              <a:buNone/>
+              <a:defRPr sz="1428" b="1"/>
             </a:lvl8pPr>
-            <a:lvl9pPr marL="3657600" indent="0">
-              <a:buNone/>
-              <a:defRPr sz="1600" b="1"/>
+            <a:lvl9pPr marL="3264042" indent="0">
+              <a:buNone/>
+              <a:defRPr sz="1428" b="1"/>
             </a:lvl9pPr>
           </a:lstStyle>
           <a:p>
@@ -1414,7 +1414,7 @@
       </p:sp>
       <p:sp>
         <p:nvSpPr>
-          <p:cNvPr id="4" name="Inhaltsplatzhalter 3"/>
+          <p:cNvPr id="4" name="Content Placeholder 3"/>
           <p:cNvSpPr>
             <a:spLocks noGrp="1"/>
           </p:cNvSpPr>
@@ -1424,8 +1424,8 @@
         </p:nvSpPr>
         <p:spPr>
           <a:xfrm>
-            <a:off x="839788" y="2505075"/>
-            <a:ext cx="5157787" cy="3684588"/>
+            <a:off x="839789" y="2235432"/>
+            <a:ext cx="5157787" cy="3287983"/>
           </a:xfrm>
         </p:spPr>
         <p:txBody>
@@ -1465,13 +1465,13 @@
               <a:rPr lang="de-DE" smtClean="0"/>
               <a:t>Fünfte Ebene</a:t>
             </a:r>
-            <a:endParaRPr lang="de-DE"/>
-          </a:p>
-        </p:txBody>
-      </p:sp>
-      <p:sp>
-        <p:nvSpPr>
-          <p:cNvPr id="5" name="Textplatzhalter 4"/>
+            <a:endParaRPr lang="en-US" dirty="0"/>
+          </a:p>
+        </p:txBody>
+      </p:sp>
+      <p:sp>
+        <p:nvSpPr>
+          <p:cNvPr id="5" name="Text Placeholder 4"/>
           <p:cNvSpPr>
             <a:spLocks noGrp="1"/>
           </p:cNvSpPr>
@@ -1481,8 +1481,8 @@
         </p:nvSpPr>
         <p:spPr>
           <a:xfrm>
-            <a:off x="6172200" y="1681163"/>
-            <a:ext cx="5183188" cy="823912"/>
+            <a:off x="6172200" y="1500205"/>
+            <a:ext cx="5183188" cy="735227"/>
           </a:xfrm>
         </p:spPr>
         <p:txBody>
@@ -1490,39 +1490,39 @@
           <a:lstStyle>
             <a:lvl1pPr marL="0" indent="0">
               <a:buNone/>
-              <a:defRPr sz="2400" b="1"/>
+              <a:defRPr sz="2142" b="1"/>
             </a:lvl1pPr>
-            <a:lvl2pPr marL="457200" indent="0">
-              <a:buNone/>
-              <a:defRPr sz="2000" b="1"/>
+            <a:lvl2pPr marL="408005" indent="0">
+              <a:buNone/>
+              <a:defRPr sz="1785" b="1"/>
             </a:lvl2pPr>
-            <a:lvl3pPr marL="914400" indent="0">
-              <a:buNone/>
-              <a:defRPr sz="1800" b="1"/>
+            <a:lvl3pPr marL="816011" indent="0">
+              <a:buNone/>
+              <a:defRPr sz="1606" b="1"/>
             </a:lvl3pPr>
-            <a:lvl4pPr marL="1371600" indent="0">
-              <a:buNone/>
-              <a:defRPr sz="1600" b="1"/>
+            <a:lvl4pPr marL="1224016" indent="0">
+              <a:buNone/>
+              <a:defRPr sz="1428" b="1"/>
             </a:lvl4pPr>
-            <a:lvl5pPr marL="1828800" indent="0">
-              <a:buNone/>
-              <a:defRPr sz="1600" b="1"/>
+            <a:lvl5pPr marL="1632021" indent="0">
+              <a:buNone/>
+              <a:defRPr sz="1428" b="1"/>
             </a:lvl5pPr>
-            <a:lvl6pPr marL="2286000" indent="0">
-              <a:buNone/>
-              <a:defRPr sz="1600" b="1"/>
+            <a:lvl6pPr marL="2040026" indent="0">
+              <a:buNone/>
+              <a:defRPr sz="1428" b="1"/>
             </a:lvl6pPr>
-            <a:lvl7pPr marL="2743200" indent="0">
-              <a:buNone/>
-              <a:defRPr sz="1600" b="1"/>
+            <a:lvl7pPr marL="2448032" indent="0">
+              <a:buNone/>
+              <a:defRPr sz="1428" b="1"/>
             </a:lvl7pPr>
-            <a:lvl8pPr marL="3200400" indent="0">
-              <a:buNone/>
-              <a:defRPr sz="1600" b="1"/>
+            <a:lvl8pPr marL="2856037" indent="0">
+              <a:buNone/>
+              <a:defRPr sz="1428" b="1"/>
             </a:lvl8pPr>
-            <a:lvl9pPr marL="3657600" indent="0">
-              <a:buNone/>
-              <a:defRPr sz="1600" b="1"/>
+            <a:lvl9pPr marL="3264042" indent="0">
+              <a:buNone/>
+              <a:defRPr sz="1428" b="1"/>
             </a:lvl9pPr>
           </a:lstStyle>
           <a:p>
@@ -1536,7 +1536,7 @@
       </p:sp>
       <p:sp>
         <p:nvSpPr>
-          <p:cNvPr id="6" name="Inhaltsplatzhalter 5"/>
+          <p:cNvPr id="6" name="Content Placeholder 5"/>
           <p:cNvSpPr>
             <a:spLocks noGrp="1"/>
           </p:cNvSpPr>
@@ -1546,8 +1546,8 @@
         </p:nvSpPr>
         <p:spPr>
           <a:xfrm>
-            <a:off x="6172200" y="2505075"/>
-            <a:ext cx="5183188" cy="3684588"/>
+            <a:off x="6172200" y="2235432"/>
+            <a:ext cx="5183188" cy="3287983"/>
           </a:xfrm>
         </p:spPr>
         <p:txBody>
@@ -1587,13 +1587,13 @@
               <a:rPr lang="de-DE" smtClean="0"/>
               <a:t>Fünfte Ebene</a:t>
             </a:r>
-            <a:endParaRPr lang="de-DE"/>
-          </a:p>
-        </p:txBody>
-      </p:sp>
-      <p:sp>
-        <p:nvSpPr>
-          <p:cNvPr id="7" name="Datumsplatzhalter 6"/>
+            <a:endParaRPr lang="en-US" dirty="0"/>
+          </a:p>
+        </p:txBody>
+      </p:sp>
+      <p:sp>
+        <p:nvSpPr>
+          <p:cNvPr id="7" name="Date Placeholder 6"/>
           <p:cNvSpPr>
             <a:spLocks noGrp="1"/>
           </p:cNvSpPr>
@@ -1608,7 +1608,7 @@
           <a:p>
             <a:fld id="{DF167CB3-E02C-405A-A084-2F10D4D8C5D0}" type="datetimeFigureOut">
               <a:rPr lang="de-DE" smtClean="0"/>
-              <a:t>20.02.2014</a:t>
+              <a:t>26.02.2014</a:t>
             </a:fld>
             <a:endParaRPr lang="de-DE"/>
           </a:p>
@@ -1616,7 +1616,7 @@
       </p:sp>
       <p:sp>
         <p:nvSpPr>
-          <p:cNvPr id="8" name="Fußzeilenplatzhalter 7"/>
+          <p:cNvPr id="8" name="Footer Placeholder 7"/>
           <p:cNvSpPr>
             <a:spLocks noGrp="1"/>
           </p:cNvSpPr>
@@ -1635,7 +1635,7 @@
       </p:sp>
       <p:sp>
         <p:nvSpPr>
-          <p:cNvPr id="9" name="Foliennummernplatzhalter 8"/>
+          <p:cNvPr id="9" name="Slide Number Placeholder 8"/>
           <p:cNvSpPr>
             <a:spLocks noGrp="1"/>
           </p:cNvSpPr>
@@ -1659,7 +1659,7 @@
     </p:spTree>
     <p:extLst>
       <p:ext uri="{BB962C8B-B14F-4D97-AF65-F5344CB8AC3E}">
-        <p14:creationId xmlns:p14="http://schemas.microsoft.com/office/powerpoint/2010/main" val="2020561131"/>
+        <p14:creationId xmlns:p14="http://schemas.microsoft.com/office/powerpoint/2010/main" val="1157584805"/>
       </p:ext>
     </p:extLst>
   </p:cSld>
@@ -1688,7 +1688,7 @@
       </p:grpSpPr>
       <p:sp>
         <p:nvSpPr>
-          <p:cNvPr id="2" name="Titel 1"/>
+          <p:cNvPr id="2" name="Title 1"/>
           <p:cNvSpPr>
             <a:spLocks noGrp="1"/>
           </p:cNvSpPr>
@@ -1705,13 +1705,13 @@
               <a:rPr lang="de-DE" smtClean="0"/>
               <a:t>Titelmasterformat durch Klicken bearbeiten</a:t>
             </a:r>
-            <a:endParaRPr lang="de-DE"/>
-          </a:p>
-        </p:txBody>
-      </p:sp>
-      <p:sp>
-        <p:nvSpPr>
-          <p:cNvPr id="3" name="Datumsplatzhalter 2"/>
+            <a:endParaRPr lang="en-US" dirty="0"/>
+          </a:p>
+        </p:txBody>
+      </p:sp>
+      <p:sp>
+        <p:nvSpPr>
+          <p:cNvPr id="3" name="Date Placeholder 2"/>
           <p:cNvSpPr>
             <a:spLocks noGrp="1"/>
           </p:cNvSpPr>
@@ -1726,7 +1726,7 @@
           <a:p>
             <a:fld id="{DF167CB3-E02C-405A-A084-2F10D4D8C5D0}" type="datetimeFigureOut">
               <a:rPr lang="de-DE" smtClean="0"/>
-              <a:t>20.02.2014</a:t>
+              <a:t>26.02.2014</a:t>
             </a:fld>
             <a:endParaRPr lang="de-DE"/>
           </a:p>
@@ -1734,7 +1734,7 @@
       </p:sp>
       <p:sp>
         <p:nvSpPr>
-          <p:cNvPr id="4" name="Fußzeilenplatzhalter 3"/>
+          <p:cNvPr id="4" name="Footer Placeholder 3"/>
           <p:cNvSpPr>
             <a:spLocks noGrp="1"/>
           </p:cNvSpPr>
@@ -1753,7 +1753,7 @@
       </p:sp>
       <p:sp>
         <p:nvSpPr>
-          <p:cNvPr id="5" name="Foliennummernplatzhalter 4"/>
+          <p:cNvPr id="5" name="Slide Number Placeholder 4"/>
           <p:cNvSpPr>
             <a:spLocks noGrp="1"/>
           </p:cNvSpPr>
@@ -1777,7 +1777,7 @@
     </p:spTree>
     <p:extLst>
       <p:ext uri="{BB962C8B-B14F-4D97-AF65-F5344CB8AC3E}">
-        <p14:creationId xmlns:p14="http://schemas.microsoft.com/office/powerpoint/2010/main" val="4224244240"/>
+        <p14:creationId xmlns:p14="http://schemas.microsoft.com/office/powerpoint/2010/main" val="872679711"/>
       </p:ext>
     </p:extLst>
   </p:cSld>
@@ -1806,7 +1806,7 @@
       </p:grpSpPr>
       <p:sp>
         <p:nvSpPr>
-          <p:cNvPr id="2" name="Datumsplatzhalter 1"/>
+          <p:cNvPr id="2" name="Date Placeholder 1"/>
           <p:cNvSpPr>
             <a:spLocks noGrp="1"/>
           </p:cNvSpPr>
@@ -1821,7 +1821,7 @@
           <a:p>
             <a:fld id="{DF167CB3-E02C-405A-A084-2F10D4D8C5D0}" type="datetimeFigureOut">
               <a:rPr lang="de-DE" smtClean="0"/>
-              <a:t>20.02.2014</a:t>
+              <a:t>26.02.2014</a:t>
             </a:fld>
             <a:endParaRPr lang="de-DE"/>
           </a:p>
@@ -1829,7 +1829,7 @@
       </p:sp>
       <p:sp>
         <p:nvSpPr>
-          <p:cNvPr id="3" name="Fußzeilenplatzhalter 2"/>
+          <p:cNvPr id="3" name="Footer Placeholder 2"/>
           <p:cNvSpPr>
             <a:spLocks noGrp="1"/>
           </p:cNvSpPr>
@@ -1848,7 +1848,7 @@
       </p:sp>
       <p:sp>
         <p:nvSpPr>
-          <p:cNvPr id="4" name="Foliennummernplatzhalter 3"/>
+          <p:cNvPr id="4" name="Slide Number Placeholder 3"/>
           <p:cNvSpPr>
             <a:spLocks noGrp="1"/>
           </p:cNvSpPr>
@@ -1872,7 +1872,7 @@
     </p:spTree>
     <p:extLst>
       <p:ext uri="{BB962C8B-B14F-4D97-AF65-F5344CB8AC3E}">
-        <p14:creationId xmlns:p14="http://schemas.microsoft.com/office/powerpoint/2010/main" val="4111782769"/>
+        <p14:creationId xmlns:p14="http://schemas.microsoft.com/office/powerpoint/2010/main" val="1411886443"/>
       </p:ext>
     </p:extLst>
   </p:cSld>
@@ -1901,7 +1901,7 @@
       </p:grpSpPr>
       <p:sp>
         <p:nvSpPr>
-          <p:cNvPr id="2" name="Titel 1"/>
+          <p:cNvPr id="2" name="Title 1"/>
           <p:cNvSpPr>
             <a:spLocks noGrp="1"/>
           </p:cNvSpPr>
@@ -1911,15 +1911,15 @@
         </p:nvSpPr>
         <p:spPr>
           <a:xfrm>
-            <a:off x="839788" y="457200"/>
-            <a:ext cx="3932237" cy="1600200"/>
+            <a:off x="839789" y="407988"/>
+            <a:ext cx="3932237" cy="1427956"/>
           </a:xfrm>
         </p:spPr>
         <p:txBody>
           <a:bodyPr anchor="b"/>
           <a:lstStyle>
             <a:lvl1pPr>
-              <a:defRPr sz="3200"/>
+              <a:defRPr sz="2856"/>
             </a:lvl1pPr>
           </a:lstStyle>
           <a:p>
@@ -1927,13 +1927,13 @@
               <a:rPr lang="de-DE" smtClean="0"/>
               <a:t>Titelmasterformat durch Klicken bearbeiten</a:t>
             </a:r>
-            <a:endParaRPr lang="de-DE"/>
-          </a:p>
-        </p:txBody>
-      </p:sp>
-      <p:sp>
-        <p:nvSpPr>
-          <p:cNvPr id="3" name="Inhaltsplatzhalter 2"/>
+            <a:endParaRPr lang="en-US" dirty="0"/>
+          </a:p>
+        </p:txBody>
+      </p:sp>
+      <p:sp>
+        <p:nvSpPr>
+          <p:cNvPr id="3" name="Content Placeholder 2"/>
           <p:cNvSpPr>
             <a:spLocks noGrp="1"/>
           </p:cNvSpPr>
@@ -1943,39 +1943,39 @@
         </p:nvSpPr>
         <p:spPr>
           <a:xfrm>
-            <a:off x="5183188" y="987425"/>
-            <a:ext cx="6172200" cy="4873625"/>
+            <a:off x="5183188" y="881140"/>
+            <a:ext cx="6172200" cy="4349034"/>
           </a:xfrm>
         </p:spPr>
         <p:txBody>
           <a:bodyPr/>
           <a:lstStyle>
             <a:lvl1pPr>
-              <a:defRPr sz="3200"/>
+              <a:defRPr sz="2856"/>
             </a:lvl1pPr>
             <a:lvl2pPr>
-              <a:defRPr sz="2800"/>
+              <a:defRPr sz="2499"/>
             </a:lvl2pPr>
             <a:lvl3pPr>
-              <a:defRPr sz="2400"/>
+              <a:defRPr sz="2142"/>
             </a:lvl3pPr>
             <a:lvl4pPr>
-              <a:defRPr sz="2000"/>
+              <a:defRPr sz="1785"/>
             </a:lvl4pPr>
             <a:lvl5pPr>
-              <a:defRPr sz="2000"/>
+              <a:defRPr sz="1785"/>
             </a:lvl5pPr>
             <a:lvl6pPr>
-              <a:defRPr sz="2000"/>
+              <a:defRPr sz="1785"/>
             </a:lvl6pPr>
             <a:lvl7pPr>
-              <a:defRPr sz="2000"/>
+              <a:defRPr sz="1785"/>
             </a:lvl7pPr>
             <a:lvl8pPr>
-              <a:defRPr sz="2000"/>
+              <a:defRPr sz="1785"/>
             </a:lvl8pPr>
             <a:lvl9pPr>
-              <a:defRPr sz="2000"/>
+              <a:defRPr sz="1785"/>
             </a:lvl9pPr>
           </a:lstStyle>
           <a:p>
@@ -2012,13 +2012,13 @@
               <a:rPr lang="de-DE" smtClean="0"/>
               <a:t>Fünfte Ebene</a:t>
             </a:r>
-            <a:endParaRPr lang="de-DE"/>
-          </a:p>
-        </p:txBody>
-      </p:sp>
-      <p:sp>
-        <p:nvSpPr>
-          <p:cNvPr id="4" name="Textplatzhalter 3"/>
+            <a:endParaRPr lang="en-US" dirty="0"/>
+          </a:p>
+        </p:txBody>
+      </p:sp>
+      <p:sp>
+        <p:nvSpPr>
+          <p:cNvPr id="4" name="Text Placeholder 3"/>
           <p:cNvSpPr>
             <a:spLocks noGrp="1"/>
           </p:cNvSpPr>
@@ -2028,8 +2028,8 @@
         </p:nvSpPr>
         <p:spPr>
           <a:xfrm>
-            <a:off x="839788" y="2057400"/>
-            <a:ext cx="3932237" cy="3811588"/>
+            <a:off x="839789" y="1835944"/>
+            <a:ext cx="3932237" cy="3401313"/>
           </a:xfrm>
         </p:spPr>
         <p:txBody>
@@ -2037,39 +2037,39 @@
           <a:lstStyle>
             <a:lvl1pPr marL="0" indent="0">
               <a:buNone/>
-              <a:defRPr sz="1600"/>
+              <a:defRPr sz="1428"/>
             </a:lvl1pPr>
-            <a:lvl2pPr marL="457200" indent="0">
-              <a:buNone/>
-              <a:defRPr sz="1400"/>
+            <a:lvl2pPr marL="408005" indent="0">
+              <a:buNone/>
+              <a:defRPr sz="1249"/>
             </a:lvl2pPr>
-            <a:lvl3pPr marL="914400" indent="0">
-              <a:buNone/>
-              <a:defRPr sz="1200"/>
+            <a:lvl3pPr marL="816011" indent="0">
+              <a:buNone/>
+              <a:defRPr sz="1071"/>
             </a:lvl3pPr>
-            <a:lvl4pPr marL="1371600" indent="0">
-              <a:buNone/>
-              <a:defRPr sz="1000"/>
+            <a:lvl4pPr marL="1224016" indent="0">
+              <a:buNone/>
+              <a:defRPr sz="892"/>
             </a:lvl4pPr>
-            <a:lvl5pPr marL="1828800" indent="0">
-              <a:buNone/>
-              <a:defRPr sz="1000"/>
+            <a:lvl5pPr marL="1632021" indent="0">
+              <a:buNone/>
+              <a:defRPr sz="892"/>
             </a:lvl5pPr>
-            <a:lvl6pPr marL="2286000" indent="0">
-              <a:buNone/>
-              <a:defRPr sz="1000"/>
+            <a:lvl6pPr marL="2040026" indent="0">
+              <a:buNone/>
+              <a:defRPr sz="892"/>
             </a:lvl6pPr>
-            <a:lvl7pPr marL="2743200" indent="0">
-              <a:buNone/>
-              <a:defRPr sz="1000"/>
+            <a:lvl7pPr marL="2448032" indent="0">
+              <a:buNone/>
+              <a:defRPr sz="892"/>
             </a:lvl7pPr>
-            <a:lvl8pPr marL="3200400" indent="0">
-              <a:buNone/>
-              <a:defRPr sz="1000"/>
+            <a:lvl8pPr marL="2856037" indent="0">
+              <a:buNone/>
+              <a:defRPr sz="892"/>
             </a:lvl8pPr>
-            <a:lvl9pPr marL="3657600" indent="0">
-              <a:buNone/>
-              <a:defRPr sz="1000"/>
+            <a:lvl9pPr marL="3264042" indent="0">
+              <a:buNone/>
+              <a:defRPr sz="892"/>
             </a:lvl9pPr>
           </a:lstStyle>
           <a:p>
@@ -2083,7 +2083,7 @@
       </p:sp>
       <p:sp>
         <p:nvSpPr>
-          <p:cNvPr id="5" name="Datumsplatzhalter 4"/>
+          <p:cNvPr id="5" name="Date Placeholder 4"/>
           <p:cNvSpPr>
             <a:spLocks noGrp="1"/>
           </p:cNvSpPr>
@@ -2098,7 +2098,7 @@
           <a:p>
             <a:fld id="{DF167CB3-E02C-405A-A084-2F10D4D8C5D0}" type="datetimeFigureOut">
               <a:rPr lang="de-DE" smtClean="0"/>
-              <a:t>20.02.2014</a:t>
+              <a:t>26.02.2014</a:t>
             </a:fld>
             <a:endParaRPr lang="de-DE"/>
           </a:p>
@@ -2106,7 +2106,7 @@
       </p:sp>
       <p:sp>
         <p:nvSpPr>
-          <p:cNvPr id="6" name="Fußzeilenplatzhalter 5"/>
+          <p:cNvPr id="6" name="Footer Placeholder 5"/>
           <p:cNvSpPr>
             <a:spLocks noGrp="1"/>
           </p:cNvSpPr>
@@ -2125,7 +2125,7 @@
       </p:sp>
       <p:sp>
         <p:nvSpPr>
-          <p:cNvPr id="7" name="Foliennummernplatzhalter 6"/>
+          <p:cNvPr id="7" name="Slide Number Placeholder 6"/>
           <p:cNvSpPr>
             <a:spLocks noGrp="1"/>
           </p:cNvSpPr>
@@ -2149,7 +2149,7 @@
     </p:spTree>
     <p:extLst>
       <p:ext uri="{BB962C8B-B14F-4D97-AF65-F5344CB8AC3E}">
-        <p14:creationId xmlns:p14="http://schemas.microsoft.com/office/powerpoint/2010/main" val="134667162"/>
+        <p14:creationId xmlns:p14="http://schemas.microsoft.com/office/powerpoint/2010/main" val="1277128640"/>
       </p:ext>
     </p:extLst>
   </p:cSld>
@@ -2178,7 +2178,7 @@
       </p:grpSpPr>
       <p:sp>
         <p:nvSpPr>
-          <p:cNvPr id="2" name="Titel 1"/>
+          <p:cNvPr id="2" name="Title 1"/>
           <p:cNvSpPr>
             <a:spLocks noGrp="1"/>
           </p:cNvSpPr>
@@ -2188,15 +2188,15 @@
         </p:nvSpPr>
         <p:spPr>
           <a:xfrm>
-            <a:off x="839788" y="457200"/>
-            <a:ext cx="3932237" cy="1600200"/>
+            <a:off x="839789" y="407988"/>
+            <a:ext cx="3932237" cy="1427956"/>
           </a:xfrm>
         </p:spPr>
         <p:txBody>
           <a:bodyPr anchor="b"/>
           <a:lstStyle>
             <a:lvl1pPr>
-              <a:defRPr sz="3200"/>
+              <a:defRPr sz="2856"/>
             </a:lvl1pPr>
           </a:lstStyle>
           <a:p>
@@ -2204,15 +2204,15 @@
               <a:rPr lang="de-DE" smtClean="0"/>
               <a:t>Titelmasterformat durch Klicken bearbeiten</a:t>
             </a:r>
-            <a:endParaRPr lang="de-DE"/>
-          </a:p>
-        </p:txBody>
-      </p:sp>
-      <p:sp>
-        <p:nvSpPr>
-          <p:cNvPr id="3" name="Bildplatzhalter 2"/>
-          <p:cNvSpPr>
-            <a:spLocks noGrp="1"/>
+            <a:endParaRPr lang="en-US" dirty="0"/>
+          </a:p>
+        </p:txBody>
+      </p:sp>
+      <p:sp>
+        <p:nvSpPr>
+          <p:cNvPr id="3" name="Picture Placeholder 2"/>
+          <p:cNvSpPr>
+            <a:spLocks noGrp="1" noChangeAspect="1"/>
           </p:cNvSpPr>
           <p:nvPr>
             <p:ph type="pic" idx="1"/>
@@ -2220,58 +2220,62 @@
         </p:nvSpPr>
         <p:spPr>
           <a:xfrm>
-            <a:off x="5183188" y="987425"/>
-            <a:ext cx="6172200" cy="4873625"/>
+            <a:off x="5183188" y="881140"/>
+            <a:ext cx="6172200" cy="4349034"/>
           </a:xfrm>
         </p:spPr>
         <p:txBody>
-          <a:bodyPr/>
+          <a:bodyPr anchor="t"/>
           <a:lstStyle>
             <a:lvl1pPr marL="0" indent="0">
               <a:buNone/>
-              <a:defRPr sz="3200"/>
+              <a:defRPr sz="2856"/>
             </a:lvl1pPr>
-            <a:lvl2pPr marL="457200" indent="0">
-              <a:buNone/>
-              <a:defRPr sz="2800"/>
+            <a:lvl2pPr marL="408005" indent="0">
+              <a:buNone/>
+              <a:defRPr sz="2499"/>
             </a:lvl2pPr>
-            <a:lvl3pPr marL="914400" indent="0">
-              <a:buNone/>
-              <a:defRPr sz="2400"/>
+            <a:lvl3pPr marL="816011" indent="0">
+              <a:buNone/>
+              <a:defRPr sz="2142"/>
             </a:lvl3pPr>
-            <a:lvl4pPr marL="1371600" indent="0">
-              <a:buNone/>
-              <a:defRPr sz="2000"/>
+            <a:lvl4pPr marL="1224016" indent="0">
+              <a:buNone/>
+              <a:defRPr sz="1785"/>
             </a:lvl4pPr>
-            <a:lvl5pPr marL="1828800" indent="0">
-              <a:buNone/>
-              <a:defRPr sz="2000"/>
+            <a:lvl5pPr marL="1632021" indent="0">
+              <a:buNone/>
+              <a:defRPr sz="1785"/>
             </a:lvl5pPr>
-            <a:lvl6pPr marL="2286000" indent="0">
-              <a:buNone/>
-              <a:defRPr sz="2000"/>
+            <a:lvl6pPr marL="2040026" indent="0">
+              <a:buNone/>
+              <a:defRPr sz="1785"/>
             </a:lvl6pPr>
-            <a:lvl7pPr marL="2743200" indent="0">
-              <a:buNone/>
-              <a:defRPr sz="2000"/>
+            <a:lvl7pPr marL="2448032" indent="0">
+              <a:buNone/>
+              <a:defRPr sz="1785"/>
             </a:lvl7pPr>
-            <a:lvl8pPr marL="3200400" indent="0">
-              <a:buNone/>
-              <a:defRPr sz="2000"/>
+            <a:lvl8pPr marL="2856037" indent="0">
+              <a:buNone/>
+              <a:defRPr sz="1785"/>
             </a:lvl8pPr>
-            <a:lvl9pPr marL="3657600" indent="0">
-              <a:buNone/>
-              <a:defRPr sz="2000"/>
+            <a:lvl9pPr marL="3264042" indent="0">
+              <a:buNone/>
+              <a:defRPr sz="1785"/>
             </a:lvl9pPr>
           </a:lstStyle>
           <a:p>
-            <a:endParaRPr lang="de-DE"/>
-          </a:p>
-        </p:txBody>
-      </p:sp>
-      <p:sp>
-        <p:nvSpPr>
-          <p:cNvPr id="4" name="Textplatzhalter 3"/>
+            <a:r>
+              <a:rPr lang="de-DE" smtClean="0"/>
+              <a:t>Bild durch Klicken auf Symbol hinzufügen</a:t>
+            </a:r>
+            <a:endParaRPr lang="en-US" dirty="0"/>
+          </a:p>
+        </p:txBody>
+      </p:sp>
+      <p:sp>
+        <p:nvSpPr>
+          <p:cNvPr id="4" name="Text Placeholder 3"/>
           <p:cNvSpPr>
             <a:spLocks noGrp="1"/>
           </p:cNvSpPr>
@@ -2281,8 +2285,8 @@
         </p:nvSpPr>
         <p:spPr>
           <a:xfrm>
-            <a:off x="839788" y="2057400"/>
-            <a:ext cx="3932237" cy="3811588"/>
+            <a:off x="839789" y="1835944"/>
+            <a:ext cx="3932237" cy="3401313"/>
           </a:xfrm>
         </p:spPr>
         <p:txBody>
@@ -2290,39 +2294,39 @@
           <a:lstStyle>
             <a:lvl1pPr marL="0" indent="0">
               <a:buNone/>
-              <a:defRPr sz="1600"/>
+              <a:defRPr sz="1428"/>
             </a:lvl1pPr>
-            <a:lvl2pPr marL="457200" indent="0">
-              <a:buNone/>
-              <a:defRPr sz="1400"/>
+            <a:lvl2pPr marL="408005" indent="0">
+              <a:buNone/>
+              <a:defRPr sz="1249"/>
             </a:lvl2pPr>
-            <a:lvl3pPr marL="914400" indent="0">
-              <a:buNone/>
-              <a:defRPr sz="1200"/>
+            <a:lvl3pPr marL="816011" indent="0">
+              <a:buNone/>
+              <a:defRPr sz="1071"/>
             </a:lvl3pPr>
-            <a:lvl4pPr marL="1371600" indent="0">
-              <a:buNone/>
-              <a:defRPr sz="1000"/>
+            <a:lvl4pPr marL="1224016" indent="0">
+              <a:buNone/>
+              <a:defRPr sz="892"/>
             </a:lvl4pPr>
-            <a:lvl5pPr marL="1828800" indent="0">
-              <a:buNone/>
-              <a:defRPr sz="1000"/>
+            <a:lvl5pPr marL="1632021" indent="0">
+              <a:buNone/>
+              <a:defRPr sz="892"/>
             </a:lvl5pPr>
-            <a:lvl6pPr marL="2286000" indent="0">
-              <a:buNone/>
-              <a:defRPr sz="1000"/>
+            <a:lvl6pPr marL="2040026" indent="0">
+              <a:buNone/>
+              <a:defRPr sz="892"/>
             </a:lvl6pPr>
-            <a:lvl7pPr marL="2743200" indent="0">
-              <a:buNone/>
-              <a:defRPr sz="1000"/>
+            <a:lvl7pPr marL="2448032" indent="0">
+              <a:buNone/>
+              <a:defRPr sz="892"/>
             </a:lvl7pPr>
-            <a:lvl8pPr marL="3200400" indent="0">
-              <a:buNone/>
-              <a:defRPr sz="1000"/>
+            <a:lvl8pPr marL="2856037" indent="0">
+              <a:buNone/>
+              <a:defRPr sz="892"/>
             </a:lvl8pPr>
-            <a:lvl9pPr marL="3657600" indent="0">
-              <a:buNone/>
-              <a:defRPr sz="1000"/>
+            <a:lvl9pPr marL="3264042" indent="0">
+              <a:buNone/>
+              <a:defRPr sz="892"/>
             </a:lvl9pPr>
           </a:lstStyle>
           <a:p>
@@ -2336,7 +2340,7 @@
       </p:sp>
       <p:sp>
         <p:nvSpPr>
-          <p:cNvPr id="5" name="Datumsplatzhalter 4"/>
+          <p:cNvPr id="5" name="Date Placeholder 4"/>
           <p:cNvSpPr>
             <a:spLocks noGrp="1"/>
           </p:cNvSpPr>
@@ -2351,7 +2355,7 @@
           <a:p>
             <a:fld id="{DF167CB3-E02C-405A-A084-2F10D4D8C5D0}" type="datetimeFigureOut">
               <a:rPr lang="de-DE" smtClean="0"/>
-              <a:t>20.02.2014</a:t>
+              <a:t>26.02.2014</a:t>
             </a:fld>
             <a:endParaRPr lang="de-DE"/>
           </a:p>
@@ -2359,7 +2363,7 @@
       </p:sp>
       <p:sp>
         <p:nvSpPr>
-          <p:cNvPr id="6" name="Fußzeilenplatzhalter 5"/>
+          <p:cNvPr id="6" name="Footer Placeholder 5"/>
           <p:cNvSpPr>
             <a:spLocks noGrp="1"/>
           </p:cNvSpPr>
@@ -2378,7 +2382,7 @@
       </p:sp>
       <p:sp>
         <p:nvSpPr>
-          <p:cNvPr id="7" name="Foliennummernplatzhalter 6"/>
+          <p:cNvPr id="7" name="Slide Number Placeholder 6"/>
           <p:cNvSpPr>
             <a:spLocks noGrp="1"/>
           </p:cNvSpPr>
@@ -2402,7 +2406,7 @@
     </p:spTree>
     <p:extLst>
       <p:ext uri="{BB962C8B-B14F-4D97-AF65-F5344CB8AC3E}">
-        <p14:creationId xmlns:p14="http://schemas.microsoft.com/office/powerpoint/2010/main" val="3363649080"/>
+        <p14:creationId xmlns:p14="http://schemas.microsoft.com/office/powerpoint/2010/main" val="613353210"/>
       </p:ext>
     </p:extLst>
   </p:cSld>
@@ -2436,7 +2440,7 @@
       </p:grpSpPr>
       <p:sp>
         <p:nvSpPr>
-          <p:cNvPr id="2" name="Titelplatzhalter 1"/>
+          <p:cNvPr id="2" name="Title Placeholder 1"/>
           <p:cNvSpPr>
             <a:spLocks noGrp="1"/>
           </p:cNvSpPr>
@@ -2446,8 +2450,8 @@
         </p:nvSpPr>
         <p:spPr>
           <a:xfrm>
-            <a:off x="838200" y="365125"/>
-            <a:ext cx="10515600" cy="1325563"/>
+            <a:off x="838200" y="325824"/>
+            <a:ext cx="10515600" cy="1182881"/>
           </a:xfrm>
           <a:prstGeom prst="rect">
             <a:avLst/>
@@ -2463,13 +2467,13 @@
               <a:rPr lang="de-DE" smtClean="0"/>
               <a:t>Titelmasterformat durch Klicken bearbeiten</a:t>
             </a:r>
-            <a:endParaRPr lang="de-DE"/>
-          </a:p>
-        </p:txBody>
-      </p:sp>
-      <p:sp>
-        <p:nvSpPr>
-          <p:cNvPr id="3" name="Textplatzhalter 2"/>
+            <a:endParaRPr lang="en-US" dirty="0"/>
+          </a:p>
+        </p:txBody>
+      </p:sp>
+      <p:sp>
+        <p:nvSpPr>
+          <p:cNvPr id="3" name="Text Placeholder 2"/>
           <p:cNvSpPr>
             <a:spLocks noGrp="1"/>
           </p:cNvSpPr>
@@ -2479,8 +2483,8 @@
         </p:nvSpPr>
         <p:spPr>
           <a:xfrm>
-            <a:off x="838200" y="1825625"/>
-            <a:ext cx="10515600" cy="4351338"/>
+            <a:off x="838200" y="1629117"/>
+            <a:ext cx="10515600" cy="3882965"/>
           </a:xfrm>
           <a:prstGeom prst="rect">
             <a:avLst/>
@@ -2525,13 +2529,13 @@
               <a:rPr lang="de-DE" smtClean="0"/>
               <a:t>Fünfte Ebene</a:t>
             </a:r>
-            <a:endParaRPr lang="de-DE"/>
-          </a:p>
-        </p:txBody>
-      </p:sp>
-      <p:sp>
-        <p:nvSpPr>
-          <p:cNvPr id="4" name="Datumsplatzhalter 3"/>
+            <a:endParaRPr lang="en-US" dirty="0"/>
+          </a:p>
+        </p:txBody>
+      </p:sp>
+      <p:sp>
+        <p:nvSpPr>
+          <p:cNvPr id="4" name="Date Placeholder 3"/>
           <p:cNvSpPr>
             <a:spLocks noGrp="1"/>
           </p:cNvSpPr>
@@ -2541,8 +2545,8 @@
         </p:nvSpPr>
         <p:spPr>
           <a:xfrm>
-            <a:off x="838200" y="6356350"/>
-            <a:ext cx="2743200" cy="365125"/>
+            <a:off x="838200" y="5672161"/>
+            <a:ext cx="2743200" cy="325823"/>
           </a:xfrm>
           <a:prstGeom prst="rect">
             <a:avLst/>
@@ -2552,7 +2556,7 @@
           <a:bodyPr vert="horz" lIns="91440" tIns="45720" rIns="91440" bIns="45720" rtlCol="0" anchor="ctr"/>
           <a:lstStyle>
             <a:lvl1pPr algn="l">
-              <a:defRPr sz="1200">
+              <a:defRPr sz="1071">
                 <a:solidFill>
                   <a:schemeClr val="tx1">
                     <a:tint val="75000"/>
@@ -2564,7 +2568,7 @@
           <a:p>
             <a:fld id="{DF167CB3-E02C-405A-A084-2F10D4D8C5D0}" type="datetimeFigureOut">
               <a:rPr lang="de-DE" smtClean="0"/>
-              <a:t>20.02.2014</a:t>
+              <a:t>26.02.2014</a:t>
             </a:fld>
             <a:endParaRPr lang="de-DE"/>
           </a:p>
@@ -2572,7 +2576,7 @@
       </p:sp>
       <p:sp>
         <p:nvSpPr>
-          <p:cNvPr id="5" name="Fußzeilenplatzhalter 4"/>
+          <p:cNvPr id="5" name="Footer Placeholder 4"/>
           <p:cNvSpPr>
             <a:spLocks noGrp="1"/>
           </p:cNvSpPr>
@@ -2582,8 +2586,8 @@
         </p:nvSpPr>
         <p:spPr>
           <a:xfrm>
-            <a:off x="4038600" y="6356350"/>
-            <a:ext cx="4114800" cy="365125"/>
+            <a:off x="4038600" y="5672161"/>
+            <a:ext cx="4114800" cy="325823"/>
           </a:xfrm>
           <a:prstGeom prst="rect">
             <a:avLst/>
@@ -2593,7 +2597,7 @@
           <a:bodyPr vert="horz" lIns="91440" tIns="45720" rIns="91440" bIns="45720" rtlCol="0" anchor="ctr"/>
           <a:lstStyle>
             <a:lvl1pPr algn="ctr">
-              <a:defRPr sz="1200">
+              <a:defRPr sz="1071">
                 <a:solidFill>
                   <a:schemeClr val="tx1">
                     <a:tint val="75000"/>
@@ -2609,7 +2613,7 @@
       </p:sp>
       <p:sp>
         <p:nvSpPr>
-          <p:cNvPr id="6" name="Foliennummernplatzhalter 5"/>
+          <p:cNvPr id="6" name="Slide Number Placeholder 5"/>
           <p:cNvSpPr>
             <a:spLocks noGrp="1"/>
           </p:cNvSpPr>
@@ -2619,8 +2623,8 @@
         </p:nvSpPr>
         <p:spPr>
           <a:xfrm>
-            <a:off x="8610600" y="6356350"/>
-            <a:ext cx="2743200" cy="365125"/>
+            <a:off x="8610600" y="5672161"/>
+            <a:ext cx="2743200" cy="325823"/>
           </a:xfrm>
           <a:prstGeom prst="rect">
             <a:avLst/>
@@ -2630,7 +2634,7 @@
           <a:bodyPr vert="horz" lIns="91440" tIns="45720" rIns="91440" bIns="45720" rtlCol="0" anchor="ctr"/>
           <a:lstStyle>
             <a:lvl1pPr algn="r">
-              <a:defRPr sz="1200">
+              <a:defRPr sz="1071">
                 <a:solidFill>
                   <a:schemeClr val="tx1">
                     <a:tint val="75000"/>
@@ -2651,27 +2655,27 @@
     </p:spTree>
     <p:extLst>
       <p:ext uri="{BB962C8B-B14F-4D97-AF65-F5344CB8AC3E}">
-        <p14:creationId xmlns:p14="http://schemas.microsoft.com/office/powerpoint/2010/main" val="1910410582"/>
+        <p14:creationId xmlns:p14="http://schemas.microsoft.com/office/powerpoint/2010/main" val="707081103"/>
       </p:ext>
     </p:extLst>
   </p:cSld>
   <p:clrMap bg1="lt1" tx1="dk1" bg2="lt2" tx2="dk2" accent1="accent1" accent2="accent2" accent3="accent3" accent4="accent4" accent5="accent5" accent6="accent6" hlink="hlink" folHlink="folHlink"/>
   <p:sldLayoutIdLst>
-    <p:sldLayoutId id="2147483649" r:id="rId1"/>
-    <p:sldLayoutId id="2147483650" r:id="rId2"/>
-    <p:sldLayoutId id="2147483651" r:id="rId3"/>
-    <p:sldLayoutId id="2147483652" r:id="rId4"/>
-    <p:sldLayoutId id="2147483653" r:id="rId5"/>
-    <p:sldLayoutId id="2147483654" r:id="rId6"/>
-    <p:sldLayoutId id="2147483655" r:id="rId7"/>
-    <p:sldLayoutId id="2147483656" r:id="rId8"/>
-    <p:sldLayoutId id="2147483657" r:id="rId9"/>
-    <p:sldLayoutId id="2147483658" r:id="rId10"/>
-    <p:sldLayoutId id="2147483659" r:id="rId11"/>
+    <p:sldLayoutId id="2147483673" r:id="rId1"/>
+    <p:sldLayoutId id="2147483674" r:id="rId2"/>
+    <p:sldLayoutId id="2147483675" r:id="rId3"/>
+    <p:sldLayoutId id="2147483676" r:id="rId4"/>
+    <p:sldLayoutId id="2147483677" r:id="rId5"/>
+    <p:sldLayoutId id="2147483678" r:id="rId6"/>
+    <p:sldLayoutId id="2147483679" r:id="rId7"/>
+    <p:sldLayoutId id="2147483680" r:id="rId8"/>
+    <p:sldLayoutId id="2147483681" r:id="rId9"/>
+    <p:sldLayoutId id="2147483682" r:id="rId10"/>
+    <p:sldLayoutId id="2147483683" r:id="rId11"/>
   </p:sldLayoutIdLst>
   <p:txStyles>
     <p:titleStyle>
-      <a:lvl1pPr algn="l" defTabSz="914400" rtl="0" eaLnBrk="1" latinLnBrk="0" hangingPunct="1">
+      <a:lvl1pPr algn="l" defTabSz="816011" rtl="0" eaLnBrk="1" latinLnBrk="0" hangingPunct="1">
         <a:lnSpc>
           <a:spcPct val="90000"/>
         </a:lnSpc>
@@ -2679,7 +2683,7 @@
           <a:spcPct val="0"/>
         </a:spcBef>
         <a:buNone/>
-        <a:defRPr sz="4400" kern="1200">
+        <a:defRPr sz="3927" kern="1200">
           <a:solidFill>
             <a:schemeClr val="tx1"/>
           </a:solidFill>
@@ -2690,16 +2694,16 @@
       </a:lvl1pPr>
     </p:titleStyle>
     <p:bodyStyle>
-      <a:lvl1pPr marL="228600" indent="-228600" algn="l" defTabSz="914400" rtl="0" eaLnBrk="1" latinLnBrk="0" hangingPunct="1">
+      <a:lvl1pPr marL="204003" indent="-204003" algn="l" defTabSz="816011" rtl="0" eaLnBrk="1" latinLnBrk="0" hangingPunct="1">
         <a:lnSpc>
           <a:spcPct val="90000"/>
         </a:lnSpc>
         <a:spcBef>
-          <a:spcPts val="1000"/>
+          <a:spcPts val="892"/>
         </a:spcBef>
         <a:buFont typeface="Arial" panose="020B0604020202020204" pitchFamily="34" charset="0"/>
         <a:buChar char="•"/>
-        <a:defRPr sz="2800" kern="1200">
+        <a:defRPr sz="2499" kern="1200">
           <a:solidFill>
             <a:schemeClr val="tx1"/>
           </a:solidFill>
@@ -2708,16 +2712,16 @@
           <a:cs typeface="+mn-cs"/>
         </a:defRPr>
       </a:lvl1pPr>
-      <a:lvl2pPr marL="685800" indent="-228600" algn="l" defTabSz="914400" rtl="0" eaLnBrk="1" latinLnBrk="0" hangingPunct="1">
+      <a:lvl2pPr marL="612008" indent="-204003" algn="l" defTabSz="816011" rtl="0" eaLnBrk="1" latinLnBrk="0" hangingPunct="1">
         <a:lnSpc>
           <a:spcPct val="90000"/>
         </a:lnSpc>
         <a:spcBef>
-          <a:spcPts val="500"/>
+          <a:spcPts val="446"/>
         </a:spcBef>
         <a:buFont typeface="Arial" panose="020B0604020202020204" pitchFamily="34" charset="0"/>
         <a:buChar char="•"/>
-        <a:defRPr sz="2400" kern="1200">
+        <a:defRPr sz="2142" kern="1200">
           <a:solidFill>
             <a:schemeClr val="tx1"/>
           </a:solidFill>
@@ -2726,16 +2730,16 @@
           <a:cs typeface="+mn-cs"/>
         </a:defRPr>
       </a:lvl2pPr>
-      <a:lvl3pPr marL="1143000" indent="-228600" algn="l" defTabSz="914400" rtl="0" eaLnBrk="1" latinLnBrk="0" hangingPunct="1">
+      <a:lvl3pPr marL="1020013" indent="-204003" algn="l" defTabSz="816011" rtl="0" eaLnBrk="1" latinLnBrk="0" hangingPunct="1">
         <a:lnSpc>
           <a:spcPct val="90000"/>
         </a:lnSpc>
         <a:spcBef>
-          <a:spcPts val="500"/>
+          <a:spcPts val="446"/>
         </a:spcBef>
         <a:buFont typeface="Arial" panose="020B0604020202020204" pitchFamily="34" charset="0"/>
         <a:buChar char="•"/>
-        <a:defRPr sz="2000" kern="1200">
+        <a:defRPr sz="1785" kern="1200">
           <a:solidFill>
             <a:schemeClr val="tx1"/>
           </a:solidFill>
@@ -2744,16 +2748,16 @@
           <a:cs typeface="+mn-cs"/>
         </a:defRPr>
       </a:lvl3pPr>
-      <a:lvl4pPr marL="1600200" indent="-228600" algn="l" defTabSz="914400" rtl="0" eaLnBrk="1" latinLnBrk="0" hangingPunct="1">
+      <a:lvl4pPr marL="1428018" indent="-204003" algn="l" defTabSz="816011" rtl="0" eaLnBrk="1" latinLnBrk="0" hangingPunct="1">
         <a:lnSpc>
           <a:spcPct val="90000"/>
         </a:lnSpc>
         <a:spcBef>
-          <a:spcPts val="500"/>
+          <a:spcPts val="446"/>
         </a:spcBef>
         <a:buFont typeface="Arial" panose="020B0604020202020204" pitchFamily="34" charset="0"/>
         <a:buChar char="•"/>
-        <a:defRPr sz="1800" kern="1200">
+        <a:defRPr sz="1606" kern="1200">
           <a:solidFill>
             <a:schemeClr val="tx1"/>
           </a:solidFill>
@@ -2762,16 +2766,16 @@
           <a:cs typeface="+mn-cs"/>
         </a:defRPr>
       </a:lvl4pPr>
-      <a:lvl5pPr marL="2057400" indent="-228600" algn="l" defTabSz="914400" rtl="0" eaLnBrk="1" latinLnBrk="0" hangingPunct="1">
+      <a:lvl5pPr marL="1836024" indent="-204003" algn="l" defTabSz="816011" rtl="0" eaLnBrk="1" latinLnBrk="0" hangingPunct="1">
         <a:lnSpc>
           <a:spcPct val="90000"/>
         </a:lnSpc>
         <a:spcBef>
-          <a:spcPts val="500"/>
+          <a:spcPts val="446"/>
         </a:spcBef>
         <a:buFont typeface="Arial" panose="020B0604020202020204" pitchFamily="34" charset="0"/>
         <a:buChar char="•"/>
-        <a:defRPr sz="1800" kern="1200">
+        <a:defRPr sz="1606" kern="1200">
           <a:solidFill>
             <a:schemeClr val="tx1"/>
           </a:solidFill>
@@ -2780,16 +2784,16 @@
           <a:cs typeface="+mn-cs"/>
         </a:defRPr>
       </a:lvl5pPr>
-      <a:lvl6pPr marL="2514600" indent="-228600" algn="l" defTabSz="914400" rtl="0" eaLnBrk="1" latinLnBrk="0" hangingPunct="1">
+      <a:lvl6pPr marL="2244029" indent="-204003" algn="l" defTabSz="816011" rtl="0" eaLnBrk="1" latinLnBrk="0" hangingPunct="1">
         <a:lnSpc>
           <a:spcPct val="90000"/>
         </a:lnSpc>
         <a:spcBef>
-          <a:spcPts val="500"/>
+          <a:spcPts val="446"/>
         </a:spcBef>
         <a:buFont typeface="Arial" panose="020B0604020202020204" pitchFamily="34" charset="0"/>
         <a:buChar char="•"/>
-        <a:defRPr sz="1800" kern="1200">
+        <a:defRPr sz="1606" kern="1200">
           <a:solidFill>
             <a:schemeClr val="tx1"/>
           </a:solidFill>
@@ -2798,16 +2802,16 @@
           <a:cs typeface="+mn-cs"/>
         </a:defRPr>
       </a:lvl6pPr>
-      <a:lvl7pPr marL="2971800" indent="-228600" algn="l" defTabSz="914400" rtl="0" eaLnBrk="1" latinLnBrk="0" hangingPunct="1">
+      <a:lvl7pPr marL="2652034" indent="-204003" algn="l" defTabSz="816011" rtl="0" eaLnBrk="1" latinLnBrk="0" hangingPunct="1">
         <a:lnSpc>
           <a:spcPct val="90000"/>
         </a:lnSpc>
         <a:spcBef>
-          <a:spcPts val="500"/>
+          <a:spcPts val="446"/>
         </a:spcBef>
         <a:buFont typeface="Arial" panose="020B0604020202020204" pitchFamily="34" charset="0"/>
         <a:buChar char="•"/>
-        <a:defRPr sz="1800" kern="1200">
+        <a:defRPr sz="1606" kern="1200">
           <a:solidFill>
             <a:schemeClr val="tx1"/>
           </a:solidFill>
@@ -2816,16 +2820,16 @@
           <a:cs typeface="+mn-cs"/>
         </a:defRPr>
       </a:lvl7pPr>
-      <a:lvl8pPr marL="3429000" indent="-228600" algn="l" defTabSz="914400" rtl="0" eaLnBrk="1" latinLnBrk="0" hangingPunct="1">
+      <a:lvl8pPr marL="3060040" indent="-204003" algn="l" defTabSz="816011" rtl="0" eaLnBrk="1" latinLnBrk="0" hangingPunct="1">
         <a:lnSpc>
           <a:spcPct val="90000"/>
         </a:lnSpc>
         <a:spcBef>
-          <a:spcPts val="500"/>
+          <a:spcPts val="446"/>
         </a:spcBef>
         <a:buFont typeface="Arial" panose="020B0604020202020204" pitchFamily="34" charset="0"/>
         <a:buChar char="•"/>
-        <a:defRPr sz="1800" kern="1200">
+        <a:defRPr sz="1606" kern="1200">
           <a:solidFill>
             <a:schemeClr val="tx1"/>
           </a:solidFill>
@@ -2834,16 +2838,16 @@
           <a:cs typeface="+mn-cs"/>
         </a:defRPr>
       </a:lvl8pPr>
-      <a:lvl9pPr marL="3886200" indent="-228600" algn="l" defTabSz="914400" rtl="0" eaLnBrk="1" latinLnBrk="0" hangingPunct="1">
+      <a:lvl9pPr marL="3468045" indent="-204003" algn="l" defTabSz="816011" rtl="0" eaLnBrk="1" latinLnBrk="0" hangingPunct="1">
         <a:lnSpc>
           <a:spcPct val="90000"/>
         </a:lnSpc>
         <a:spcBef>
-          <a:spcPts val="500"/>
+          <a:spcPts val="446"/>
         </a:spcBef>
         <a:buFont typeface="Arial" panose="020B0604020202020204" pitchFamily="34" charset="0"/>
         <a:buChar char="•"/>
-        <a:defRPr sz="1800" kern="1200">
+        <a:defRPr sz="1606" kern="1200">
           <a:solidFill>
             <a:schemeClr val="tx1"/>
           </a:solidFill>
@@ -2855,10 +2859,10 @@
     </p:bodyStyle>
     <p:otherStyle>
       <a:defPPr>
-        <a:defRPr lang="de-DE"/>
+        <a:defRPr lang="en-US"/>
       </a:defPPr>
-      <a:lvl1pPr marL="0" algn="l" defTabSz="914400" rtl="0" eaLnBrk="1" latinLnBrk="0" hangingPunct="1">
-        <a:defRPr sz="1800" kern="1200">
+      <a:lvl1pPr marL="0" algn="l" defTabSz="816011" rtl="0" eaLnBrk="1" latinLnBrk="0" hangingPunct="1">
+        <a:defRPr sz="1606" kern="1200">
           <a:solidFill>
             <a:schemeClr val="tx1"/>
           </a:solidFill>
@@ -2867,8 +2871,8 @@
           <a:cs typeface="+mn-cs"/>
         </a:defRPr>
       </a:lvl1pPr>
-      <a:lvl2pPr marL="457200" algn="l" defTabSz="914400" rtl="0" eaLnBrk="1" latinLnBrk="0" hangingPunct="1">
-        <a:defRPr sz="1800" kern="1200">
+      <a:lvl2pPr marL="408005" algn="l" defTabSz="816011" rtl="0" eaLnBrk="1" latinLnBrk="0" hangingPunct="1">
+        <a:defRPr sz="1606" kern="1200">
           <a:solidFill>
             <a:schemeClr val="tx1"/>
           </a:solidFill>
@@ -2877,8 +2881,8 @@
           <a:cs typeface="+mn-cs"/>
         </a:defRPr>
       </a:lvl2pPr>
-      <a:lvl3pPr marL="914400" algn="l" defTabSz="914400" rtl="0" eaLnBrk="1" latinLnBrk="0" hangingPunct="1">
-        <a:defRPr sz="1800" kern="1200">
+      <a:lvl3pPr marL="816011" algn="l" defTabSz="816011" rtl="0" eaLnBrk="1" latinLnBrk="0" hangingPunct="1">
+        <a:defRPr sz="1606" kern="1200">
           <a:solidFill>
             <a:schemeClr val="tx1"/>
           </a:solidFill>
@@ -2887,8 +2891,8 @@
           <a:cs typeface="+mn-cs"/>
         </a:defRPr>
       </a:lvl3pPr>
-      <a:lvl4pPr marL="1371600" algn="l" defTabSz="914400" rtl="0" eaLnBrk="1" latinLnBrk="0" hangingPunct="1">
-        <a:defRPr sz="1800" kern="1200">
+      <a:lvl4pPr marL="1224016" algn="l" defTabSz="816011" rtl="0" eaLnBrk="1" latinLnBrk="0" hangingPunct="1">
+        <a:defRPr sz="1606" kern="1200">
           <a:solidFill>
             <a:schemeClr val="tx1"/>
           </a:solidFill>
@@ -2897,8 +2901,8 @@
           <a:cs typeface="+mn-cs"/>
         </a:defRPr>
       </a:lvl4pPr>
-      <a:lvl5pPr marL="1828800" algn="l" defTabSz="914400" rtl="0" eaLnBrk="1" latinLnBrk="0" hangingPunct="1">
-        <a:defRPr sz="1800" kern="1200">
+      <a:lvl5pPr marL="1632021" algn="l" defTabSz="816011" rtl="0" eaLnBrk="1" latinLnBrk="0" hangingPunct="1">
+        <a:defRPr sz="1606" kern="1200">
           <a:solidFill>
             <a:schemeClr val="tx1"/>
           </a:solidFill>
@@ -2907,8 +2911,8 @@
           <a:cs typeface="+mn-cs"/>
         </a:defRPr>
       </a:lvl5pPr>
-      <a:lvl6pPr marL="2286000" algn="l" defTabSz="914400" rtl="0" eaLnBrk="1" latinLnBrk="0" hangingPunct="1">
-        <a:defRPr sz="1800" kern="1200">
+      <a:lvl6pPr marL="2040026" algn="l" defTabSz="816011" rtl="0" eaLnBrk="1" latinLnBrk="0" hangingPunct="1">
+        <a:defRPr sz="1606" kern="1200">
           <a:solidFill>
             <a:schemeClr val="tx1"/>
           </a:solidFill>
@@ -2917,8 +2921,8 @@
           <a:cs typeface="+mn-cs"/>
         </a:defRPr>
       </a:lvl6pPr>
-      <a:lvl7pPr marL="2743200" algn="l" defTabSz="914400" rtl="0" eaLnBrk="1" latinLnBrk="0" hangingPunct="1">
-        <a:defRPr sz="1800" kern="1200">
+      <a:lvl7pPr marL="2448032" algn="l" defTabSz="816011" rtl="0" eaLnBrk="1" latinLnBrk="0" hangingPunct="1">
+        <a:defRPr sz="1606" kern="1200">
           <a:solidFill>
             <a:schemeClr val="tx1"/>
           </a:solidFill>
@@ -2927,8 +2931,8 @@
           <a:cs typeface="+mn-cs"/>
         </a:defRPr>
       </a:lvl7pPr>
-      <a:lvl8pPr marL="3200400" algn="l" defTabSz="914400" rtl="0" eaLnBrk="1" latinLnBrk="0" hangingPunct="1">
-        <a:defRPr sz="1800" kern="1200">
+      <a:lvl8pPr marL="2856037" algn="l" defTabSz="816011" rtl="0" eaLnBrk="1" latinLnBrk="0" hangingPunct="1">
+        <a:defRPr sz="1606" kern="1200">
           <a:solidFill>
             <a:schemeClr val="tx1"/>
           </a:solidFill>
@@ -2937,8 +2941,8 @@
           <a:cs typeface="+mn-cs"/>
         </a:defRPr>
       </a:lvl8pPr>
-      <a:lvl9pPr marL="3657600" algn="l" defTabSz="914400" rtl="0" eaLnBrk="1" latinLnBrk="0" hangingPunct="1">
-        <a:defRPr sz="1800" kern="1200">
+      <a:lvl9pPr marL="3264042" algn="l" defTabSz="816011" rtl="0" eaLnBrk="1" latinLnBrk="0" hangingPunct="1">
+        <a:defRPr sz="1606" kern="1200">
           <a:solidFill>
             <a:schemeClr val="tx1"/>
           </a:solidFill>
@@ -2977,7 +2981,7 @@
         </p:nvSpPr>
         <p:spPr>
           <a:xfrm>
-            <a:off x="2396067" y="1168398"/>
+            <a:off x="2396067" y="799306"/>
             <a:ext cx="2844800" cy="5147733"/>
           </a:xfrm>
           <a:prstGeom prst="roundRect">
@@ -3012,7 +3016,7 @@
           <a:p>
             <a:pPr algn="ctr"/>
             <a:r>
-              <a:rPr lang="de-DE" sz="2400" dirty="0" smtClean="0"/>
+              <a:rPr lang="de-DE" sz="2400" dirty="0"/>
               <a:t>Anzahl der Aufrufe</a:t>
             </a:r>
             <a:endParaRPr lang="de-DE" sz="2400" dirty="0"/>
@@ -3027,7 +3031,7 @@
         </p:nvSpPr>
         <p:spPr>
           <a:xfrm>
-            <a:off x="5503333" y="1168399"/>
+            <a:off x="5503333" y="799307"/>
             <a:ext cx="2844800" cy="5147733"/>
           </a:xfrm>
           <a:prstGeom prst="roundRect">
@@ -3062,7 +3066,7 @@
           <a:p>
             <a:pPr algn="ctr"/>
             <a:r>
-              <a:rPr lang="de-DE" sz="2400" dirty="0" smtClean="0"/>
+              <a:rPr lang="de-DE" sz="2400" dirty="0"/>
               <a:t>Metadaten</a:t>
             </a:r>
             <a:endParaRPr lang="de-DE" sz="2400" dirty="0"/>
@@ -3077,7 +3081,7 @@
         </p:nvSpPr>
         <p:spPr>
           <a:xfrm>
-            <a:off x="8610599" y="1168398"/>
+            <a:off x="8610599" y="799306"/>
             <a:ext cx="2844800" cy="5147733"/>
           </a:xfrm>
           <a:prstGeom prst="roundRect">
@@ -3115,7 +3119,6 @@
               <a:rPr lang="de-DE" sz="2400" dirty="0"/>
               <a:t>Beiträge</a:t>
             </a:r>
-            <a:endParaRPr lang="de-DE" sz="2400" dirty="0"/>
           </a:p>
         </p:txBody>
       </p:sp>
@@ -3127,14 +3130,18 @@
         </p:nvSpPr>
         <p:spPr>
           <a:xfrm>
-            <a:off x="186266" y="1981200"/>
+            <a:off x="186266" y="1612106"/>
             <a:ext cx="11531600" cy="2015066"/>
           </a:xfrm>
           <a:prstGeom prst="rect">
             <a:avLst/>
           </a:prstGeom>
           <a:noFill/>
-          <a:ln w="28575"/>
+          <a:ln w="28575">
+            <a:solidFill>
+              <a:schemeClr val="accent2"/>
+            </a:solidFill>
+          </a:ln>
         </p:spPr>
         <p:style>
           <a:lnRef idx="2">
@@ -3155,7 +3162,7 @@
           <a:lstStyle/>
           <a:p>
             <a:r>
-              <a:rPr lang="de-DE" sz="2000" dirty="0" smtClean="0"/>
+              <a:rPr lang="de-DE" sz="2000" dirty="0"/>
               <a:t>Fcb75-bit.ly/Z0pngZ</a:t>
             </a:r>
             <a:endParaRPr lang="de-DE" sz="2000" dirty="0"/>
@@ -3170,14 +3177,18 @@
         </p:nvSpPr>
         <p:spPr>
           <a:xfrm>
-            <a:off x="186266" y="4529664"/>
+            <a:off x="186266" y="4160572"/>
             <a:ext cx="11531600" cy="1253069"/>
           </a:xfrm>
           <a:prstGeom prst="rect">
             <a:avLst/>
           </a:prstGeom>
           <a:noFill/>
-          <a:ln w="28575"/>
+          <a:ln w="28575">
+            <a:solidFill>
+              <a:schemeClr val="accent2"/>
+            </a:solidFill>
+          </a:ln>
         </p:spPr>
         <p:style>
           <a:lnRef idx="2">
@@ -3198,7 +3209,7 @@
           <a:lstStyle/>
           <a:p>
             <a:r>
-              <a:rPr lang="de-DE" sz="2000" dirty="0" smtClean="0"/>
+              <a:rPr lang="de-DE" sz="2000" dirty="0"/>
               <a:t>Fb499-bit.ly/15C2TL</a:t>
             </a:r>
             <a:endParaRPr lang="de-DE" sz="2000" dirty="0"/>
@@ -3213,8 +3224,8 @@
         </p:nvSpPr>
         <p:spPr>
           <a:xfrm>
-            <a:off x="2396067" y="373389"/>
-            <a:ext cx="9059332" cy="523220"/>
+            <a:off x="-208339" y="375958"/>
+            <a:ext cx="3272364" cy="400110"/>
           </a:xfrm>
           <a:prstGeom prst="rect">
             <a:avLst/>
@@ -3229,10 +3240,10 @@
           <a:p>
             <a:pPr algn="ctr"/>
             <a:r>
-              <a:rPr lang="de-DE" sz="2800" dirty="0" smtClean="0"/>
-              <a:t>Spalten Familien</a:t>
-            </a:r>
-            <a:endParaRPr lang="de-DE" sz="2800" dirty="0"/>
+              <a:rPr lang="de-DE" sz="2000" dirty="0"/>
+              <a:t>Spalten Familie</a:t>
+            </a:r>
+            <a:endParaRPr lang="de-DE" sz="2000" dirty="0"/>
           </a:p>
         </p:txBody>
       </p:sp>
@@ -3244,33 +3255,25 @@
         </p:nvSpPr>
         <p:spPr>
           <a:xfrm>
-            <a:off x="2468032" y="2287241"/>
+            <a:off x="2468032" y="1918147"/>
             <a:ext cx="2700864" cy="370430"/>
           </a:xfrm>
           <a:prstGeom prst="rect">
             <a:avLst/>
           </a:prstGeom>
-          <a:solidFill>
-            <a:schemeClr val="accent6">
-              <a:lumMod val="40000"/>
-              <a:lumOff val="60000"/>
-            </a:schemeClr>
-          </a:solidFill>
         </p:spPr>
         <p:style>
           <a:lnRef idx="2">
-            <a:schemeClr val="accent6">
-              <a:shade val="50000"/>
-            </a:schemeClr>
+            <a:schemeClr val="accent2"/>
           </a:lnRef>
           <a:fillRef idx="1">
-            <a:schemeClr val="accent6"/>
+            <a:schemeClr val="lt1"/>
           </a:fillRef>
           <a:effectRef idx="0">
-            <a:schemeClr val="accent6"/>
+            <a:schemeClr val="accent2"/>
           </a:effectRef>
           <a:fontRef idx="minor">
-            <a:schemeClr val="lt1"/>
+            <a:schemeClr val="dk1"/>
           </a:fontRef>
         </p:style>
         <p:txBody>
@@ -3279,7 +3282,7 @@
           <a:p>
             <a:pPr algn="ctr"/>
             <a:r>
-              <a:rPr lang="de-DE" dirty="0" smtClean="0">
+              <a:rPr lang="de-DE" dirty="0">
                 <a:solidFill>
                   <a:schemeClr val="tx1"/>
                 </a:solidFill>
@@ -3302,33 +3305,25 @@
         </p:nvSpPr>
         <p:spPr>
           <a:xfrm>
-            <a:off x="2468031" y="2802464"/>
+            <a:off x="2468033" y="2433370"/>
             <a:ext cx="2700865" cy="406400"/>
           </a:xfrm>
           <a:prstGeom prst="rect">
             <a:avLst/>
           </a:prstGeom>
-          <a:solidFill>
-            <a:schemeClr val="accent6">
-              <a:lumMod val="40000"/>
-              <a:lumOff val="60000"/>
-            </a:schemeClr>
-          </a:solidFill>
         </p:spPr>
         <p:style>
           <a:lnRef idx="2">
-            <a:schemeClr val="accent6">
-              <a:shade val="50000"/>
-            </a:schemeClr>
+            <a:schemeClr val="accent2"/>
           </a:lnRef>
           <a:fillRef idx="1">
-            <a:schemeClr val="accent6"/>
+            <a:schemeClr val="lt1"/>
           </a:fillRef>
           <a:effectRef idx="0">
-            <a:schemeClr val="accent6"/>
+            <a:schemeClr val="accent2"/>
           </a:effectRef>
           <a:fontRef idx="minor">
-            <a:schemeClr val="lt1"/>
+            <a:schemeClr val="dk1"/>
           </a:fontRef>
         </p:style>
         <p:txBody>
@@ -3337,7 +3332,7 @@
           <a:p>
             <a:pPr algn="ctr"/>
             <a:r>
-              <a:rPr lang="de-DE" dirty="0" smtClean="0">
+              <a:rPr lang="de-DE" dirty="0">
                 <a:solidFill>
                   <a:schemeClr val="tx1"/>
                 </a:solidFill>
@@ -3360,33 +3355,25 @@
         </p:nvSpPr>
         <p:spPr>
           <a:xfrm>
-            <a:off x="2468031" y="3371832"/>
+            <a:off x="2468031" y="3002738"/>
             <a:ext cx="2700866" cy="376768"/>
           </a:xfrm>
           <a:prstGeom prst="rect">
             <a:avLst/>
           </a:prstGeom>
-          <a:solidFill>
-            <a:schemeClr val="accent6">
-              <a:lumMod val="40000"/>
-              <a:lumOff val="60000"/>
-            </a:schemeClr>
-          </a:solidFill>
         </p:spPr>
         <p:style>
           <a:lnRef idx="2">
-            <a:schemeClr val="accent6">
-              <a:shade val="50000"/>
-            </a:schemeClr>
+            <a:schemeClr val="accent2"/>
           </a:lnRef>
           <a:fillRef idx="1">
-            <a:schemeClr val="accent6"/>
+            <a:schemeClr val="lt1"/>
           </a:fillRef>
           <a:effectRef idx="0">
-            <a:schemeClr val="accent6"/>
+            <a:schemeClr val="accent2"/>
           </a:effectRef>
           <a:fontRef idx="minor">
-            <a:schemeClr val="lt1"/>
+            <a:schemeClr val="dk1"/>
           </a:fontRef>
         </p:style>
         <p:txBody>
@@ -3395,7 +3382,7 @@
           <a:p>
             <a:pPr algn="ctr"/>
             <a:r>
-              <a:rPr lang="de-DE" dirty="0" smtClean="0">
+              <a:rPr lang="de-DE" dirty="0">
                 <a:solidFill>
                   <a:schemeClr val="tx1"/>
                 </a:solidFill>
@@ -3418,33 +3405,25 @@
         </p:nvSpPr>
         <p:spPr>
           <a:xfrm>
-            <a:off x="2468031" y="4961466"/>
+            <a:off x="2468033" y="4592374"/>
             <a:ext cx="2700865" cy="397921"/>
           </a:xfrm>
           <a:prstGeom prst="rect">
             <a:avLst/>
           </a:prstGeom>
-          <a:solidFill>
-            <a:schemeClr val="accent6">
-              <a:lumMod val="40000"/>
-              <a:lumOff val="60000"/>
-            </a:schemeClr>
-          </a:solidFill>
         </p:spPr>
         <p:style>
           <a:lnRef idx="2">
-            <a:schemeClr val="accent6">
-              <a:shade val="50000"/>
-            </a:schemeClr>
+            <a:schemeClr val="accent2"/>
           </a:lnRef>
           <a:fillRef idx="1">
-            <a:schemeClr val="accent6"/>
+            <a:schemeClr val="lt1"/>
           </a:fillRef>
           <a:effectRef idx="0">
-            <a:schemeClr val="accent6"/>
+            <a:schemeClr val="accent2"/>
           </a:effectRef>
           <a:fontRef idx="minor">
-            <a:schemeClr val="lt1"/>
+            <a:schemeClr val="dk1"/>
           </a:fontRef>
         </p:style>
         <p:txBody>
@@ -3453,7 +3432,7 @@
           <a:p>
             <a:pPr algn="ctr"/>
             <a:r>
-              <a:rPr lang="de-DE" dirty="0" smtClean="0">
+              <a:rPr lang="de-DE" dirty="0">
                 <a:solidFill>
                   <a:schemeClr val="tx1"/>
                 </a:solidFill>
@@ -3476,33 +3455,25 @@
         </p:nvSpPr>
         <p:spPr>
           <a:xfrm>
-            <a:off x="5575301" y="2287241"/>
+            <a:off x="5575301" y="1918147"/>
             <a:ext cx="2700864" cy="370430"/>
           </a:xfrm>
           <a:prstGeom prst="rect">
             <a:avLst/>
           </a:prstGeom>
-          <a:solidFill>
-            <a:schemeClr val="accent6">
-              <a:lumMod val="40000"/>
-              <a:lumOff val="60000"/>
-            </a:schemeClr>
-          </a:solidFill>
         </p:spPr>
         <p:style>
           <a:lnRef idx="2">
-            <a:schemeClr val="accent6">
-              <a:shade val="50000"/>
-            </a:schemeClr>
+            <a:schemeClr val="accent2"/>
           </a:lnRef>
           <a:fillRef idx="1">
-            <a:schemeClr val="accent6"/>
+            <a:schemeClr val="lt1"/>
           </a:fillRef>
           <a:effectRef idx="0">
-            <a:schemeClr val="accent6"/>
+            <a:schemeClr val="accent2"/>
           </a:effectRef>
           <a:fontRef idx="minor">
-            <a:schemeClr val="lt1"/>
+            <a:schemeClr val="dk1"/>
           </a:fontRef>
         </p:style>
         <p:txBody>
@@ -3511,7 +3482,7 @@
           <a:p>
             <a:pPr algn="ctr"/>
             <a:r>
-              <a:rPr lang="de-DE" dirty="0" smtClean="0">
+              <a:rPr lang="de-DE" dirty="0">
                 <a:solidFill>
                   <a:schemeClr val="tx1"/>
                 </a:solidFill>
@@ -3534,33 +3505,25 @@
         </p:nvSpPr>
         <p:spPr>
           <a:xfrm>
-            <a:off x="5575301" y="2838434"/>
+            <a:off x="5575301" y="2469340"/>
             <a:ext cx="2700864" cy="370430"/>
           </a:xfrm>
           <a:prstGeom prst="rect">
             <a:avLst/>
           </a:prstGeom>
-          <a:solidFill>
-            <a:schemeClr val="accent6">
-              <a:lumMod val="40000"/>
-              <a:lumOff val="60000"/>
-            </a:schemeClr>
-          </a:solidFill>
         </p:spPr>
         <p:style>
           <a:lnRef idx="2">
-            <a:schemeClr val="accent6">
-              <a:shade val="50000"/>
-            </a:schemeClr>
+            <a:schemeClr val="accent2"/>
           </a:lnRef>
           <a:fillRef idx="1">
-            <a:schemeClr val="accent6"/>
+            <a:schemeClr val="lt1"/>
           </a:fillRef>
           <a:effectRef idx="0">
-            <a:schemeClr val="accent6"/>
+            <a:schemeClr val="accent2"/>
           </a:effectRef>
           <a:fontRef idx="minor">
-            <a:schemeClr val="lt1"/>
+            <a:schemeClr val="dk1"/>
           </a:fontRef>
         </p:style>
         <p:txBody>
@@ -3569,7 +3532,7 @@
           <a:p>
             <a:pPr algn="ctr"/>
             <a:r>
-              <a:rPr lang="de-DE" dirty="0" err="1" smtClean="0">
+              <a:rPr lang="de-DE" dirty="0" err="1">
                 <a:solidFill>
                   <a:schemeClr val="tx1"/>
                 </a:solidFill>
@@ -3577,7 +3540,7 @@
               <a:t>url</a:t>
             </a:r>
             <a:r>
-              <a:rPr lang="de-DE" dirty="0" smtClean="0">
+              <a:rPr lang="de-DE" dirty="0">
                 <a:solidFill>
                   <a:schemeClr val="tx1"/>
                 </a:solidFill>
@@ -3600,33 +3563,25 @@
         </p:nvSpPr>
         <p:spPr>
           <a:xfrm>
-            <a:off x="8682567" y="2105033"/>
+            <a:off x="8682567" y="1735939"/>
             <a:ext cx="2700864" cy="1767400"/>
           </a:xfrm>
           <a:prstGeom prst="rect">
             <a:avLst/>
           </a:prstGeom>
-          <a:solidFill>
-            <a:schemeClr val="accent6">
-              <a:lumMod val="40000"/>
-              <a:lumOff val="60000"/>
-            </a:schemeClr>
-          </a:solidFill>
         </p:spPr>
         <p:style>
           <a:lnRef idx="2">
-            <a:schemeClr val="accent6">
-              <a:shade val="50000"/>
-            </a:schemeClr>
+            <a:schemeClr val="accent2"/>
           </a:lnRef>
           <a:fillRef idx="1">
-            <a:schemeClr val="accent6"/>
+            <a:schemeClr val="lt1"/>
           </a:fillRef>
           <a:effectRef idx="0">
-            <a:schemeClr val="accent6"/>
+            <a:schemeClr val="accent2"/>
           </a:effectRef>
           <a:fontRef idx="minor">
-            <a:schemeClr val="lt1"/>
+            <a:schemeClr val="dk1"/>
           </a:fontRef>
         </p:style>
         <p:txBody>
@@ -3635,7 +3590,7 @@
           <a:p>
             <a:pPr algn="ctr"/>
             <a:r>
-              <a:rPr lang="de-DE" dirty="0" smtClean="0">
+              <a:rPr lang="de-DE" dirty="0">
                 <a:solidFill>
                   <a:schemeClr val="tx1"/>
                 </a:solidFill>
@@ -3643,44 +3598,12 @@
               <a:t>C4ca4-0001-000080-7030435345-00000345={date:20131201,source:iwitter,mesage:On@BloombergWest, @</a:t>
             </a:r>
             <a:r>
-              <a:rPr lang="de-DE" dirty="0" err="1" smtClean="0">
+              <a:rPr lang="de-DE" dirty="0" err="1">
                 <a:solidFill>
                   <a:schemeClr val="tx1"/>
                 </a:solidFill>
               </a:rPr>
               <a:t>JanaH</a:t>
-            </a:r>
-            <a:r>
-              <a:rPr lang="de-DE" dirty="0" smtClean="0">
-                <a:solidFill>
-                  <a:schemeClr val="tx1"/>
-                </a:solidFill>
-              </a:rPr>
-              <a:t> </a:t>
-            </a:r>
-            <a:r>
-              <a:rPr lang="de-DE" dirty="0" err="1" smtClean="0">
-                <a:solidFill>
-                  <a:schemeClr val="tx1"/>
-                </a:solidFill>
-              </a:rPr>
-              <a:t>tals</a:t>
-            </a:r>
-            <a:r>
-              <a:rPr lang="de-DE" dirty="0" smtClean="0">
-                <a:solidFill>
-                  <a:schemeClr val="tx1"/>
-                </a:solidFill>
-              </a:rPr>
-              <a:t> </a:t>
-            </a:r>
-            <a:r>
-              <a:rPr lang="de-DE" dirty="0" err="1" smtClean="0">
-                <a:solidFill>
-                  <a:schemeClr val="tx1"/>
-                </a:solidFill>
-              </a:rPr>
-              <a:t>rich</a:t>
             </a:r>
             <a:r>
               <a:rPr lang="de-DE" dirty="0">
@@ -3691,7 +3614,39 @@
               <a:t> </a:t>
             </a:r>
             <a:r>
-              <a:rPr lang="de-DE" dirty="0" err="1" smtClean="0">
+              <a:rPr lang="de-DE" dirty="0" err="1">
+                <a:solidFill>
+                  <a:schemeClr val="tx1"/>
+                </a:solidFill>
+              </a:rPr>
+              <a:t>tals</a:t>
+            </a:r>
+            <a:r>
+              <a:rPr lang="de-DE" dirty="0">
+                <a:solidFill>
+                  <a:schemeClr val="tx1"/>
+                </a:solidFill>
+              </a:rPr>
+              <a:t> </a:t>
+            </a:r>
+            <a:r>
+              <a:rPr lang="de-DE" dirty="0" err="1">
+                <a:solidFill>
+                  <a:schemeClr val="tx1"/>
+                </a:solidFill>
+              </a:rPr>
+              <a:t>rich</a:t>
+            </a:r>
+            <a:r>
+              <a:rPr lang="de-DE" dirty="0">
+                <a:solidFill>
+                  <a:schemeClr val="tx1"/>
+                </a:solidFill>
+              </a:rPr>
+              <a:t> </a:t>
+            </a:r>
+            <a:r>
+              <a:rPr lang="de-DE" dirty="0" err="1">
                 <a:solidFill>
                   <a:schemeClr val="tx1"/>
                 </a:solidFill>
@@ -3699,7 +3654,7 @@
               <a:t>media</a:t>
             </a:r>
             <a:r>
-              <a:rPr lang="de-DE" dirty="0" smtClean="0">
+              <a:rPr lang="de-DE" dirty="0">
                 <a:solidFill>
                   <a:schemeClr val="tx1"/>
                 </a:solidFill>
@@ -3711,6 +3666,94 @@
                 <a:schemeClr val="tx1"/>
               </a:solidFill>
             </a:endParaRPr>
+          </a:p>
+        </p:txBody>
+      </p:sp>
+      <p:sp>
+        <p:nvSpPr>
+          <p:cNvPr id="2" name="Freihandform 1"/>
+          <p:cNvSpPr/>
+          <p:nvPr/>
+        </p:nvSpPr>
+        <p:spPr>
+          <a:xfrm>
+            <a:off x="968091" y="749415"/>
+            <a:ext cx="550466" cy="775607"/>
+          </a:xfrm>
+          <a:custGeom>
+            <a:avLst/>
+            <a:gdLst>
+              <a:gd name="connsiteX0" fmla="*/ 550466 w 550466"/>
+              <a:gd name="connsiteY0" fmla="*/ 0 h 775607"/>
+              <a:gd name="connsiteX1" fmla="*/ 27952 w 550466"/>
+              <a:gd name="connsiteY1" fmla="*/ 367393 h 775607"/>
+              <a:gd name="connsiteX2" fmla="*/ 117759 w 550466"/>
+              <a:gd name="connsiteY2" fmla="*/ 775607 h 775607"/>
+            </a:gdLst>
+            <a:ahLst/>
+            <a:cxnLst>
+              <a:cxn ang="0">
+                <a:pos x="connsiteX0" y="connsiteY0"/>
+              </a:cxn>
+              <a:cxn ang="0">
+                <a:pos x="connsiteX1" y="connsiteY1"/>
+              </a:cxn>
+              <a:cxn ang="0">
+                <a:pos x="connsiteX2" y="connsiteY2"/>
+              </a:cxn>
+            </a:cxnLst>
+            <a:rect l="l" t="t" r="r" b="b"/>
+            <a:pathLst>
+              <a:path w="550466" h="775607">
+                <a:moveTo>
+                  <a:pt x="550466" y="0"/>
+                </a:moveTo>
+                <a:cubicBezTo>
+                  <a:pt x="325268" y="119062"/>
+                  <a:pt x="100070" y="238125"/>
+                  <a:pt x="27952" y="367393"/>
+                </a:cubicBezTo>
+                <a:cubicBezTo>
+                  <a:pt x="-44166" y="496661"/>
+                  <a:pt x="36796" y="636134"/>
+                  <a:pt x="117759" y="775607"/>
+                </a:cubicBezTo>
+              </a:path>
+            </a:pathLst>
+          </a:custGeom>
+          <a:noFill/>
+          <a:ln>
+            <a:headEnd type="none" w="med" len="med"/>
+            <a:tailEnd type="triangle" w="med" len="med"/>
+          </a:ln>
+        </p:spPr>
+        <p:style>
+          <a:lnRef idx="2">
+            <a:schemeClr val="accent1">
+              <a:shade val="50000"/>
+            </a:schemeClr>
+          </a:lnRef>
+          <a:fillRef idx="1">
+            <a:schemeClr val="accent1"/>
+          </a:fillRef>
+          <a:effectRef idx="0">
+            <a:schemeClr val="accent1"/>
+          </a:effectRef>
+          <a:fontRef idx="minor">
+            <a:schemeClr val="lt1"/>
+          </a:fontRef>
+        </p:style>
+        <p:txBody>
+          <a:bodyPr rot="0" spcFirstLastPara="0" vertOverflow="overflow" horzOverflow="overflow" vert="horz" wrap="square" lIns="91440" tIns="45720" rIns="91440" bIns="45720" numCol="1" spcCol="0" rtlCol="0" fromWordArt="0" anchor="ctr" anchorCtr="0" forceAA="0" compatLnSpc="1">
+            <a:prstTxWarp prst="textNoShape">
+              <a:avLst/>
+            </a:prstTxWarp>
+            <a:noAutofit/>
+          </a:bodyPr>
+          <a:lstStyle/>
+          <a:p>
+            <a:pPr algn="ctr"/>
+            <a:endParaRPr lang="de-DE"/>
           </a:p>
         </p:txBody>
       </p:sp>
@@ -3730,7 +3773,7 @@
 <file path=ppt/theme/theme1.xml><?xml version="1.0" encoding="utf-8"?>
 <a:theme xmlns:a="http://schemas.openxmlformats.org/drawingml/2006/main" name="Office Theme">
   <a:themeElements>
-    <a:clrScheme name="Office">
+    <a:clrScheme name="Office Theme">
       <a:dk1>
         <a:sysClr val="windowText" lastClr="000000"/>
       </a:dk1>
@@ -3768,7 +3811,7 @@
         <a:srgbClr val="954F72"/>
       </a:folHlink>
     </a:clrScheme>
-    <a:fontScheme name="Office">
+    <a:fontScheme name="Office Theme">
       <a:majorFont>
         <a:latin typeface="Calibri Light" panose="020F0302020204030204"/>
         <a:ea typeface=""/>
@@ -3840,7 +3883,7 @@
         <a:font script="Geor" typeface="Sylfaen"/>
       </a:minorFont>
     </a:fontScheme>
-    <a:fmtScheme name="Office">
+    <a:fmtScheme name="Office Theme">
       <a:fillStyleLst>
         <a:solidFill>
           <a:schemeClr val="phClr"/>
